--- a/Presentation/Introduction to GIT.pptx
+++ b/Presentation/Introduction to GIT.pptx
@@ -18,6 +18,7 @@
     <p:sldId id="266" r:id="rId12"/>
     <p:sldId id="267" r:id="rId13"/>
     <p:sldId id="268" r:id="rId14"/>
+    <p:sldId id="269" r:id="rId15"/>
   </p:sldIdLst>
   <p:sldSz cx="12192000" cy="6858000"/>
   <p:notesSz cx="6858000" cy="9144000"/>
@@ -127,7 +128,7 @@
 <file path=ppt/revisionInfo.xml><?xml version="1.0" encoding="utf-8"?>
 <p1510:revInfo xmlns:a="http://schemas.openxmlformats.org/drawingml/2006/main" xmlns:r="http://schemas.openxmlformats.org/officeDocument/2006/relationships" xmlns:p1510="http://schemas.microsoft.com/office/powerpoint/2015/10/main">
   <p1510:revLst>
-    <p1510:client id="{84BB6DD8-B94B-494E-88EB-F89294FBD832}" v="15" dt="2022-10-09T14:36:02.427"/>
+    <p1510:client id="{84BB6DD8-B94B-494E-88EB-F89294FBD832}" v="55" dt="2022-10-09T16:01:58.410"/>
   </p1510:revLst>
 </p1510:revInfo>
 </file>
@@ -137,12 +138,42 @@
   <pc:docChgLst>
     <pc:chgData name="Ranjan Sarkar, Jivesh" userId="e8ed4185-1398-4a94-b996-b5467527c1b7" providerId="ADAL" clId="{84BB6DD8-B94B-494E-88EB-F89294FBD832}"/>
     <pc:docChg chg="undo custSel addSld modSld sldOrd">
-      <pc:chgData name="Ranjan Sarkar, Jivesh" userId="e8ed4185-1398-4a94-b996-b5467527c1b7" providerId="ADAL" clId="{84BB6DD8-B94B-494E-88EB-F89294FBD832}" dt="2022-10-09T14:36:58.183" v="250" actId="20577"/>
+      <pc:chgData name="Ranjan Sarkar, Jivesh" userId="e8ed4185-1398-4a94-b996-b5467527c1b7" providerId="ADAL" clId="{84BB6DD8-B94B-494E-88EB-F89294FBD832}" dt="2022-10-09T16:59:18.315" v="723" actId="20577"/>
       <pc:docMkLst>
         <pc:docMk/>
       </pc:docMkLst>
-      <pc:sldChg chg="modSp mod">
-        <pc:chgData name="Ranjan Sarkar, Jivesh" userId="e8ed4185-1398-4a94-b996-b5467527c1b7" providerId="ADAL" clId="{84BB6DD8-B94B-494E-88EB-F89294FBD832}" dt="2022-10-08T08:25:08.971" v="17" actId="20577"/>
+      <pc:sldChg chg="addSp delSp modSp mod">
+        <pc:chgData name="Ranjan Sarkar, Jivesh" userId="e8ed4185-1398-4a94-b996-b5467527c1b7" providerId="ADAL" clId="{84BB6DD8-B94B-494E-88EB-F89294FBD832}" dt="2022-10-09T15:09:20.723" v="585" actId="478"/>
+        <pc:sldMkLst>
+          <pc:docMk/>
+          <pc:sldMk cId="2728471161" sldId="256"/>
+        </pc:sldMkLst>
+        <pc:picChg chg="add del mod">
+          <ac:chgData name="Ranjan Sarkar, Jivesh" userId="e8ed4185-1398-4a94-b996-b5467527c1b7" providerId="ADAL" clId="{84BB6DD8-B94B-494E-88EB-F89294FBD832}" dt="2022-10-09T15:09:20.723" v="585" actId="478"/>
+          <ac:picMkLst>
+            <pc:docMk/>
+            <pc:sldMk cId="2728471161" sldId="256"/>
+            <ac:picMk id="4" creationId="{C8544F14-540D-4467-EF24-DC1FB945C2ED}"/>
+          </ac:picMkLst>
+        </pc:picChg>
+      </pc:sldChg>
+      <pc:sldChg chg="addSp modSp mod">
+        <pc:chgData name="Ranjan Sarkar, Jivesh" userId="e8ed4185-1398-4a94-b996-b5467527c1b7" providerId="ADAL" clId="{84BB6DD8-B94B-494E-88EB-F89294FBD832}" dt="2022-10-09T15:09:37.134" v="589" actId="1076"/>
+        <pc:sldMkLst>
+          <pc:docMk/>
+          <pc:sldMk cId="3108847156" sldId="257"/>
+        </pc:sldMkLst>
+        <pc:picChg chg="add mod">
+          <ac:chgData name="Ranjan Sarkar, Jivesh" userId="e8ed4185-1398-4a94-b996-b5467527c1b7" providerId="ADAL" clId="{84BB6DD8-B94B-494E-88EB-F89294FBD832}" dt="2022-10-09T15:09:37.134" v="589" actId="1076"/>
+          <ac:picMkLst>
+            <pc:docMk/>
+            <pc:sldMk cId="3108847156" sldId="257"/>
+            <ac:picMk id="5" creationId="{11ADCE72-9AEE-6C26-3AE8-5E6D53907177}"/>
+          </ac:picMkLst>
+        </pc:picChg>
+      </pc:sldChg>
+      <pc:sldChg chg="addSp modSp mod">
+        <pc:chgData name="Ranjan Sarkar, Jivesh" userId="e8ed4185-1398-4a94-b996-b5467527c1b7" providerId="ADAL" clId="{84BB6DD8-B94B-494E-88EB-F89294FBD832}" dt="2022-10-09T16:31:10.956" v="720" actId="14100"/>
         <pc:sldMkLst>
           <pc:docMk/>
           <pc:sldMk cId="64863526" sldId="258"/>
@@ -155,9 +186,55 @@
             <ac:spMk id="2" creationId="{CE6849AC-0FA5-A335-C8D4-951147D19BD3}"/>
           </ac:spMkLst>
         </pc:spChg>
+        <pc:spChg chg="mod">
+          <ac:chgData name="Ranjan Sarkar, Jivesh" userId="e8ed4185-1398-4a94-b996-b5467527c1b7" providerId="ADAL" clId="{84BB6DD8-B94B-494E-88EB-F89294FBD832}" dt="2022-10-09T16:31:10.956" v="720" actId="14100"/>
+          <ac:spMkLst>
+            <pc:docMk/>
+            <pc:sldMk cId="64863526" sldId="258"/>
+            <ac:spMk id="3" creationId="{11AFB5E0-AAE9-2A11-6480-8E64522AA24E}"/>
+          </ac:spMkLst>
+        </pc:spChg>
+        <pc:picChg chg="add mod">
+          <ac:chgData name="Ranjan Sarkar, Jivesh" userId="e8ed4185-1398-4a94-b996-b5467527c1b7" providerId="ADAL" clId="{84BB6DD8-B94B-494E-88EB-F89294FBD832}" dt="2022-10-09T15:09:40.027" v="590"/>
+          <ac:picMkLst>
+            <pc:docMk/>
+            <pc:sldMk cId="64863526" sldId="258"/>
+            <ac:picMk id="4" creationId="{CA7347E3-499B-1C76-C719-AB4F9F3E9ED1}"/>
+          </ac:picMkLst>
+        </pc:picChg>
+      </pc:sldChg>
+      <pc:sldChg chg="addSp modSp">
+        <pc:chgData name="Ranjan Sarkar, Jivesh" userId="e8ed4185-1398-4a94-b996-b5467527c1b7" providerId="ADAL" clId="{84BB6DD8-B94B-494E-88EB-F89294FBD832}" dt="2022-10-09T15:09:43.759" v="591"/>
+        <pc:sldMkLst>
+          <pc:docMk/>
+          <pc:sldMk cId="1650448373" sldId="259"/>
+        </pc:sldMkLst>
+        <pc:picChg chg="add mod">
+          <ac:chgData name="Ranjan Sarkar, Jivesh" userId="e8ed4185-1398-4a94-b996-b5467527c1b7" providerId="ADAL" clId="{84BB6DD8-B94B-494E-88EB-F89294FBD832}" dt="2022-10-09T15:09:43.759" v="591"/>
+          <ac:picMkLst>
+            <pc:docMk/>
+            <pc:sldMk cId="1650448373" sldId="259"/>
+            <ac:picMk id="4" creationId="{43753E00-6C01-E57D-0624-1975D973A204}"/>
+          </ac:picMkLst>
+        </pc:picChg>
+      </pc:sldChg>
+      <pc:sldChg chg="addSp modSp">
+        <pc:chgData name="Ranjan Sarkar, Jivesh" userId="e8ed4185-1398-4a94-b996-b5467527c1b7" providerId="ADAL" clId="{84BB6DD8-B94B-494E-88EB-F89294FBD832}" dt="2022-10-09T15:09:45.967" v="592"/>
+        <pc:sldMkLst>
+          <pc:docMk/>
+          <pc:sldMk cId="1172019547" sldId="260"/>
+        </pc:sldMkLst>
+        <pc:picChg chg="add mod">
+          <ac:chgData name="Ranjan Sarkar, Jivesh" userId="e8ed4185-1398-4a94-b996-b5467527c1b7" providerId="ADAL" clId="{84BB6DD8-B94B-494E-88EB-F89294FBD832}" dt="2022-10-09T15:09:45.967" v="592"/>
+          <ac:picMkLst>
+            <pc:docMk/>
+            <pc:sldMk cId="1172019547" sldId="260"/>
+            <ac:picMk id="4" creationId="{5ACEB248-7E37-D687-69E3-B7F6B16B26BF}"/>
+          </ac:picMkLst>
+        </pc:picChg>
       </pc:sldChg>
       <pc:sldChg chg="addSp delSp modSp add mod">
-        <pc:chgData name="Ranjan Sarkar, Jivesh" userId="e8ed4185-1398-4a94-b996-b5467527c1b7" providerId="ADAL" clId="{84BB6DD8-B94B-494E-88EB-F89294FBD832}" dt="2022-10-08T08:36:04.792" v="68" actId="207"/>
+        <pc:chgData name="Ranjan Sarkar, Jivesh" userId="e8ed4185-1398-4a94-b996-b5467527c1b7" providerId="ADAL" clId="{84BB6DD8-B94B-494E-88EB-F89294FBD832}" dt="2022-10-09T15:10:35.713" v="609"/>
         <pc:sldMkLst>
           <pc:docMk/>
           <pc:sldMk cId="848287598" sldId="261"/>
@@ -282,6 +359,22 @@
             <ac:spMk id="45" creationId="{06305059-0A7C-4D26-9791-C7476E390BFF}"/>
           </ac:spMkLst>
         </pc:spChg>
+        <pc:picChg chg="add del mod">
+          <ac:chgData name="Ranjan Sarkar, Jivesh" userId="e8ed4185-1398-4a94-b996-b5467527c1b7" providerId="ADAL" clId="{84BB6DD8-B94B-494E-88EB-F89294FBD832}" dt="2022-10-09T15:10:35.265" v="608" actId="478"/>
+          <ac:picMkLst>
+            <pc:docMk/>
+            <pc:sldMk cId="848287598" sldId="261"/>
+            <ac:picMk id="3" creationId="{DFB8EF73-9C91-471A-9C4C-C1240E7533CC}"/>
+          </ac:picMkLst>
+        </pc:picChg>
+        <pc:picChg chg="add mod">
+          <ac:chgData name="Ranjan Sarkar, Jivesh" userId="e8ed4185-1398-4a94-b996-b5467527c1b7" providerId="ADAL" clId="{84BB6DD8-B94B-494E-88EB-F89294FBD832}" dt="2022-10-09T15:10:35.713" v="609"/>
+          <ac:picMkLst>
+            <pc:docMk/>
+            <pc:sldMk cId="848287598" sldId="261"/>
+            <ac:picMk id="4" creationId="{7D8B0A03-746F-0D43-6E27-802710950508}"/>
+          </ac:picMkLst>
+        </pc:picChg>
         <pc:picChg chg="add mod ord">
           <ac:chgData name="Ranjan Sarkar, Jivesh" userId="e8ed4185-1398-4a94-b996-b5467527c1b7" providerId="ADAL" clId="{84BB6DD8-B94B-494E-88EB-F89294FBD832}" dt="2022-10-08T08:34:03.109" v="64" actId="14100"/>
           <ac:picMkLst>
@@ -332,7 +425,7 @@
         </pc:cxnChg>
       </pc:sldChg>
       <pc:sldChg chg="addSp delSp modSp new mod setBg">
-        <pc:chgData name="Ranjan Sarkar, Jivesh" userId="e8ed4185-1398-4a94-b996-b5467527c1b7" providerId="ADAL" clId="{84BB6DD8-B94B-494E-88EB-F89294FBD832}" dt="2022-10-08T08:55:58.580" v="103" actId="14100"/>
+        <pc:chgData name="Ranjan Sarkar, Jivesh" userId="e8ed4185-1398-4a94-b996-b5467527c1b7" providerId="ADAL" clId="{84BB6DD8-B94B-494E-88EB-F89294FBD832}" dt="2022-10-09T15:10:29.080" v="606"/>
         <pc:sldMkLst>
           <pc:docMk/>
           <pc:sldMk cId="4272340335" sldId="262"/>
@@ -417,6 +510,22 @@
             <ac:spMk id="20" creationId="{9045CDAC-176F-0B1D-AF61-7AB7A345375F}"/>
           </ac:spMkLst>
         </pc:spChg>
+        <pc:picChg chg="add del mod">
+          <ac:chgData name="Ranjan Sarkar, Jivesh" userId="e8ed4185-1398-4a94-b996-b5467527c1b7" providerId="ADAL" clId="{84BB6DD8-B94B-494E-88EB-F89294FBD832}" dt="2022-10-09T15:10:28.455" v="605" actId="478"/>
+          <ac:picMkLst>
+            <pc:docMk/>
+            <pc:sldMk cId="4272340335" sldId="262"/>
+            <ac:picMk id="3" creationId="{EDD7A23C-578F-780D-7E58-4B0A4234895E}"/>
+          </ac:picMkLst>
+        </pc:picChg>
+        <pc:picChg chg="add mod">
+          <ac:chgData name="Ranjan Sarkar, Jivesh" userId="e8ed4185-1398-4a94-b996-b5467527c1b7" providerId="ADAL" clId="{84BB6DD8-B94B-494E-88EB-F89294FBD832}" dt="2022-10-09T15:10:29.080" v="606"/>
+          <ac:picMkLst>
+            <pc:docMk/>
+            <pc:sldMk cId="4272340335" sldId="262"/>
+            <ac:picMk id="4" creationId="{1E0E1F7F-3910-50A5-BD3F-863FF487B929}"/>
+          </ac:picMkLst>
+        </pc:picChg>
         <pc:picChg chg="add mod ord modCrop">
           <ac:chgData name="Ranjan Sarkar, Jivesh" userId="e8ed4185-1398-4a94-b996-b5467527c1b7" providerId="ADAL" clId="{84BB6DD8-B94B-494E-88EB-F89294FBD832}" dt="2022-10-08T08:39:22.804" v="99" actId="14100"/>
           <ac:picMkLst>
@@ -443,7 +552,7 @@
         </pc:cxnChg>
       </pc:sldChg>
       <pc:sldChg chg="addSp modSp new mod">
-        <pc:chgData name="Ranjan Sarkar, Jivesh" userId="e8ed4185-1398-4a94-b996-b5467527c1b7" providerId="ADAL" clId="{84BB6DD8-B94B-494E-88EB-F89294FBD832}" dt="2022-10-09T14:36:09.252" v="248" actId="14100"/>
+        <pc:chgData name="Ranjan Sarkar, Jivesh" userId="e8ed4185-1398-4a94-b996-b5467527c1b7" providerId="ADAL" clId="{84BB6DD8-B94B-494E-88EB-F89294FBD832}" dt="2022-10-09T16:02:17.647" v="633" actId="113"/>
         <pc:sldMkLst>
           <pc:docMk/>
           <pc:sldMk cId="742847093" sldId="263"/>
@@ -457,13 +566,21 @@
           </ac:spMkLst>
         </pc:spChg>
         <pc:spChg chg="mod">
-          <ac:chgData name="Ranjan Sarkar, Jivesh" userId="e8ed4185-1398-4a94-b996-b5467527c1b7" providerId="ADAL" clId="{84BB6DD8-B94B-494E-88EB-F89294FBD832}" dt="2022-10-09T14:36:09.252" v="248" actId="14100"/>
+          <ac:chgData name="Ranjan Sarkar, Jivesh" userId="e8ed4185-1398-4a94-b996-b5467527c1b7" providerId="ADAL" clId="{84BB6DD8-B94B-494E-88EB-F89294FBD832}" dt="2022-10-09T16:02:17.647" v="633" actId="113"/>
           <ac:spMkLst>
             <pc:docMk/>
             <pc:sldMk cId="742847093" sldId="263"/>
             <ac:spMk id="3" creationId="{2147D866-8DAB-5DD4-0960-B5DB7103EE83}"/>
           </ac:spMkLst>
         </pc:spChg>
+        <pc:picChg chg="add mod">
+          <ac:chgData name="Ranjan Sarkar, Jivesh" userId="e8ed4185-1398-4a94-b996-b5467527c1b7" providerId="ADAL" clId="{84BB6DD8-B94B-494E-88EB-F89294FBD832}" dt="2022-10-09T15:10:14.399" v="600" actId="1035"/>
+          <ac:picMkLst>
+            <pc:docMk/>
+            <pc:sldMk cId="742847093" sldId="263"/>
+            <ac:picMk id="4" creationId="{E6AA8DD2-25A0-436D-D8D3-674A97C32D93}"/>
+          </ac:picMkLst>
+        </pc:picChg>
         <pc:picChg chg="add mod">
           <ac:chgData name="Ranjan Sarkar, Jivesh" userId="e8ed4185-1398-4a94-b996-b5467527c1b7" providerId="ADAL" clId="{84BB6DD8-B94B-494E-88EB-F89294FBD832}" dt="2022-10-09T14:36:02.427" v="247" actId="14100"/>
           <ac:picMkLst>
@@ -473,8 +590,8 @@
           </ac:picMkLst>
         </pc:picChg>
       </pc:sldChg>
-      <pc:sldChg chg="modSp add mod">
-        <pc:chgData name="Ranjan Sarkar, Jivesh" userId="e8ed4185-1398-4a94-b996-b5467527c1b7" providerId="ADAL" clId="{84BB6DD8-B94B-494E-88EB-F89294FBD832}" dt="2022-10-09T14:36:58.183" v="250" actId="20577"/>
+      <pc:sldChg chg="addSp modSp add mod">
+        <pc:chgData name="Ranjan Sarkar, Jivesh" userId="e8ed4185-1398-4a94-b996-b5467527c1b7" providerId="ADAL" clId="{84BB6DD8-B94B-494E-88EB-F89294FBD832}" dt="2022-10-09T15:10:18.203" v="601"/>
         <pc:sldMkLst>
           <pc:docMk/>
           <pc:sldMk cId="2033542494" sldId="264"/>
@@ -488,16 +605,24 @@
           </ac:spMkLst>
         </pc:spChg>
         <pc:spChg chg="mod">
-          <ac:chgData name="Ranjan Sarkar, Jivesh" userId="e8ed4185-1398-4a94-b996-b5467527c1b7" providerId="ADAL" clId="{84BB6DD8-B94B-494E-88EB-F89294FBD832}" dt="2022-10-09T14:36:58.183" v="250" actId="20577"/>
+          <ac:chgData name="Ranjan Sarkar, Jivesh" userId="e8ed4185-1398-4a94-b996-b5467527c1b7" providerId="ADAL" clId="{84BB6DD8-B94B-494E-88EB-F89294FBD832}" dt="2022-10-09T14:57:00.239" v="423" actId="20577"/>
           <ac:spMkLst>
             <pc:docMk/>
             <pc:sldMk cId="2033542494" sldId="264"/>
             <ac:spMk id="3" creationId="{2147D866-8DAB-5DD4-0960-B5DB7103EE83}"/>
           </ac:spMkLst>
         </pc:spChg>
+        <pc:picChg chg="add mod">
+          <ac:chgData name="Ranjan Sarkar, Jivesh" userId="e8ed4185-1398-4a94-b996-b5467527c1b7" providerId="ADAL" clId="{84BB6DD8-B94B-494E-88EB-F89294FBD832}" dt="2022-10-09T15:10:18.203" v="601"/>
+          <ac:picMkLst>
+            <pc:docMk/>
+            <pc:sldMk cId="2033542494" sldId="264"/>
+            <ac:picMk id="4" creationId="{055FD216-DFB7-2C06-1DD4-5A00D29452EF}"/>
+          </ac:picMkLst>
+        </pc:picChg>
       </pc:sldChg>
-      <pc:sldChg chg="modSp add mod">
-        <pc:chgData name="Ranjan Sarkar, Jivesh" userId="e8ed4185-1398-4a94-b996-b5467527c1b7" providerId="ADAL" clId="{84BB6DD8-B94B-494E-88EB-F89294FBD832}" dt="2022-10-09T13:37:26.796" v="139" actId="20577"/>
+      <pc:sldChg chg="addSp modSp add mod">
+        <pc:chgData name="Ranjan Sarkar, Jivesh" userId="e8ed4185-1398-4a94-b996-b5467527c1b7" providerId="ADAL" clId="{84BB6DD8-B94B-494E-88EB-F89294FBD832}" dt="2022-10-09T16:09:46.368" v="637" actId="20577"/>
         <pc:sldMkLst>
           <pc:docMk/>
           <pc:sldMk cId="689446992" sldId="265"/>
@@ -510,9 +635,25 @@
             <ac:spMk id="2" creationId="{AC750988-B34F-9A30-9EC8-52848FFA3116}"/>
           </ac:spMkLst>
         </pc:spChg>
+        <pc:spChg chg="mod">
+          <ac:chgData name="Ranjan Sarkar, Jivesh" userId="e8ed4185-1398-4a94-b996-b5467527c1b7" providerId="ADAL" clId="{84BB6DD8-B94B-494E-88EB-F89294FBD832}" dt="2022-10-09T16:09:46.368" v="637" actId="20577"/>
+          <ac:spMkLst>
+            <pc:docMk/>
+            <pc:sldMk cId="689446992" sldId="265"/>
+            <ac:spMk id="3" creationId="{2147D866-8DAB-5DD4-0960-B5DB7103EE83}"/>
+          </ac:spMkLst>
+        </pc:spChg>
+        <pc:picChg chg="add mod">
+          <ac:chgData name="Ranjan Sarkar, Jivesh" userId="e8ed4185-1398-4a94-b996-b5467527c1b7" providerId="ADAL" clId="{84BB6DD8-B94B-494E-88EB-F89294FBD832}" dt="2022-10-09T15:10:20.173" v="602"/>
+          <ac:picMkLst>
+            <pc:docMk/>
+            <pc:sldMk cId="689446992" sldId="265"/>
+            <ac:picMk id="4" creationId="{ED27F6F5-3FBA-D205-5F99-B78D8AB74C5A}"/>
+          </ac:picMkLst>
+        </pc:picChg>
       </pc:sldChg>
-      <pc:sldChg chg="modSp add mod">
-        <pc:chgData name="Ranjan Sarkar, Jivesh" userId="e8ed4185-1398-4a94-b996-b5467527c1b7" providerId="ADAL" clId="{84BB6DD8-B94B-494E-88EB-F89294FBD832}" dt="2022-10-09T13:37:34.738" v="143" actId="20577"/>
+      <pc:sldChg chg="addSp delSp modSp add mod">
+        <pc:chgData name="Ranjan Sarkar, Jivesh" userId="e8ed4185-1398-4a94-b996-b5467527c1b7" providerId="ADAL" clId="{84BB6DD8-B94B-494E-88EB-F89294FBD832}" dt="2022-10-09T15:10:22.169" v="603"/>
         <pc:sldMkLst>
           <pc:docMk/>
           <pc:sldMk cId="3710285021" sldId="266"/>
@@ -525,9 +666,57 @@
             <ac:spMk id="2" creationId="{AC750988-B34F-9A30-9EC8-52848FFA3116}"/>
           </ac:spMkLst>
         </pc:spChg>
+        <pc:spChg chg="mod">
+          <ac:chgData name="Ranjan Sarkar, Jivesh" userId="e8ed4185-1398-4a94-b996-b5467527c1b7" providerId="ADAL" clId="{84BB6DD8-B94B-494E-88EB-F89294FBD832}" dt="2022-10-09T14:59:45.289" v="482" actId="20577"/>
+          <ac:spMkLst>
+            <pc:docMk/>
+            <pc:sldMk cId="3710285021" sldId="266"/>
+            <ac:spMk id="3" creationId="{2147D866-8DAB-5DD4-0960-B5DB7103EE83}"/>
+          </ac:spMkLst>
+        </pc:spChg>
+        <pc:spChg chg="add del">
+          <ac:chgData name="Ranjan Sarkar, Jivesh" userId="e8ed4185-1398-4a94-b996-b5467527c1b7" providerId="ADAL" clId="{84BB6DD8-B94B-494E-88EB-F89294FBD832}" dt="2022-10-09T14:59:03.517" v="440"/>
+          <ac:spMkLst>
+            <pc:docMk/>
+            <pc:sldMk cId="3710285021" sldId="266"/>
+            <ac:spMk id="4" creationId="{E817CCFD-FA87-FF4E-B7B2-AB33808F1B8C}"/>
+          </ac:spMkLst>
+        </pc:spChg>
+        <pc:spChg chg="add del">
+          <ac:chgData name="Ranjan Sarkar, Jivesh" userId="e8ed4185-1398-4a94-b996-b5467527c1b7" providerId="ADAL" clId="{84BB6DD8-B94B-494E-88EB-F89294FBD832}" dt="2022-10-09T14:59:07.780" v="445"/>
+          <ac:spMkLst>
+            <pc:docMk/>
+            <pc:sldMk cId="3710285021" sldId="266"/>
+            <ac:spMk id="5" creationId="{39AFDFAD-C60E-4573-3527-3B2C8C2C4D1E}"/>
+          </ac:spMkLst>
+        </pc:spChg>
+        <pc:spChg chg="add del">
+          <ac:chgData name="Ranjan Sarkar, Jivesh" userId="e8ed4185-1398-4a94-b996-b5467527c1b7" providerId="ADAL" clId="{84BB6DD8-B94B-494E-88EB-F89294FBD832}" dt="2022-10-09T14:59:11.971" v="452"/>
+          <ac:spMkLst>
+            <pc:docMk/>
+            <pc:sldMk cId="3710285021" sldId="266"/>
+            <ac:spMk id="6" creationId="{EA0205A0-024F-1A32-8043-0BC750EE961C}"/>
+          </ac:spMkLst>
+        </pc:spChg>
+        <pc:spChg chg="add del">
+          <ac:chgData name="Ranjan Sarkar, Jivesh" userId="e8ed4185-1398-4a94-b996-b5467527c1b7" providerId="ADAL" clId="{84BB6DD8-B94B-494E-88EB-F89294FBD832}" dt="2022-10-09T14:59:14.655" v="458"/>
+          <ac:spMkLst>
+            <pc:docMk/>
+            <pc:sldMk cId="3710285021" sldId="266"/>
+            <ac:spMk id="7" creationId="{7D2F36B8-A728-E9D9-7D16-7192779F2B5C}"/>
+          </ac:spMkLst>
+        </pc:spChg>
+        <pc:picChg chg="add mod">
+          <ac:chgData name="Ranjan Sarkar, Jivesh" userId="e8ed4185-1398-4a94-b996-b5467527c1b7" providerId="ADAL" clId="{84BB6DD8-B94B-494E-88EB-F89294FBD832}" dt="2022-10-09T15:10:22.169" v="603"/>
+          <ac:picMkLst>
+            <pc:docMk/>
+            <pc:sldMk cId="3710285021" sldId="266"/>
+            <ac:picMk id="8" creationId="{8DD38D24-8994-19F9-916B-53D25A0FA7B1}"/>
+          </ac:picMkLst>
+        </pc:picChg>
       </pc:sldChg>
       <pc:sldChg chg="addSp delSp modSp new mod ord">
-        <pc:chgData name="Ranjan Sarkar, Jivesh" userId="e8ed4185-1398-4a94-b996-b5467527c1b7" providerId="ADAL" clId="{84BB6DD8-B94B-494E-88EB-F89294FBD832}" dt="2022-10-09T14:31:11.285" v="228" actId="20577"/>
+        <pc:chgData name="Ranjan Sarkar, Jivesh" userId="e8ed4185-1398-4a94-b996-b5467527c1b7" providerId="ADAL" clId="{84BB6DD8-B94B-494E-88EB-F89294FBD832}" dt="2022-10-09T16:59:18.315" v="723" actId="20577"/>
         <pc:sldMkLst>
           <pc:docMk/>
           <pc:sldMk cId="2360692702" sldId="267"/>
@@ -549,7 +738,7 @@
           </ac:spMkLst>
         </pc:spChg>
         <pc:spChg chg="add mod">
-          <ac:chgData name="Ranjan Sarkar, Jivesh" userId="e8ed4185-1398-4a94-b996-b5467527c1b7" providerId="ADAL" clId="{84BB6DD8-B94B-494E-88EB-F89294FBD832}" dt="2022-10-09T14:31:11.285" v="228" actId="20577"/>
+          <ac:chgData name="Ranjan Sarkar, Jivesh" userId="e8ed4185-1398-4a94-b996-b5467527c1b7" providerId="ADAL" clId="{84BB6DD8-B94B-494E-88EB-F89294FBD832}" dt="2022-10-09T16:59:18.315" v="723" actId="20577"/>
           <ac:spMkLst>
             <pc:docMk/>
             <pc:sldMk cId="2360692702" sldId="267"/>
@@ -564,9 +753,17 @@
             <ac:spMk id="5" creationId="{9A8BBF4B-74A9-833F-8DC2-774157D05998}"/>
           </ac:spMkLst>
         </pc:spChg>
+        <pc:picChg chg="add mod">
+          <ac:chgData name="Ranjan Sarkar, Jivesh" userId="e8ed4185-1398-4a94-b996-b5467527c1b7" providerId="ADAL" clId="{84BB6DD8-B94B-494E-88EB-F89294FBD832}" dt="2022-10-09T15:10:40.817" v="610"/>
+          <ac:picMkLst>
+            <pc:docMk/>
+            <pc:sldMk cId="2360692702" sldId="267"/>
+            <ac:picMk id="3" creationId="{8B8F3AFC-6698-8B26-DD8A-2893CCD086FA}"/>
+          </ac:picMkLst>
+        </pc:picChg>
       </pc:sldChg>
       <pc:sldChg chg="addSp delSp modSp add mod">
-        <pc:chgData name="Ranjan Sarkar, Jivesh" userId="e8ed4185-1398-4a94-b996-b5467527c1b7" providerId="ADAL" clId="{84BB6DD8-B94B-494E-88EB-F89294FBD832}" dt="2022-10-09T14:32:04.358" v="235" actId="20577"/>
+        <pc:chgData name="Ranjan Sarkar, Jivesh" userId="e8ed4185-1398-4a94-b996-b5467527c1b7" providerId="ADAL" clId="{84BB6DD8-B94B-494E-88EB-F89294FBD832}" dt="2022-10-09T16:58:05.229" v="722" actId="20577"/>
         <pc:sldMkLst>
           <pc:docMk/>
           <pc:sldMk cId="1723196433" sldId="268"/>
@@ -580,7 +777,7 @@
           </ac:spMkLst>
         </pc:spChg>
         <pc:spChg chg="add mod">
-          <ac:chgData name="Ranjan Sarkar, Jivesh" userId="e8ed4185-1398-4a94-b996-b5467527c1b7" providerId="ADAL" clId="{84BB6DD8-B94B-494E-88EB-F89294FBD832}" dt="2022-10-09T14:32:04.358" v="235" actId="20577"/>
+          <ac:chgData name="Ranjan Sarkar, Jivesh" userId="e8ed4185-1398-4a94-b996-b5467527c1b7" providerId="ADAL" clId="{84BB6DD8-B94B-494E-88EB-F89294FBD832}" dt="2022-10-09T16:58:05.229" v="722" actId="20577"/>
           <ac:spMkLst>
             <pc:docMk/>
             <pc:sldMk cId="1723196433" sldId="268"/>
@@ -595,6 +792,157 @@
             <ac:spMk id="4" creationId="{3E13DE46-24C5-9351-9E58-636E49EBEC89}"/>
           </ac:spMkLst>
         </pc:spChg>
+        <pc:picChg chg="add mod">
+          <ac:chgData name="Ranjan Sarkar, Jivesh" userId="e8ed4185-1398-4a94-b996-b5467527c1b7" providerId="ADAL" clId="{84BB6DD8-B94B-494E-88EB-F89294FBD832}" dt="2022-10-09T15:10:44.517" v="611"/>
+          <ac:picMkLst>
+            <pc:docMk/>
+            <pc:sldMk cId="1723196433" sldId="268"/>
+            <ac:picMk id="4" creationId="{87243D7F-D338-E3C0-1EF0-876E924EFC9E}"/>
+          </ac:picMkLst>
+        </pc:picChg>
+      </pc:sldChg>
+      <pc:sldChg chg="addSp delSp modSp new mod setBg modClrScheme addAnim delAnim modAnim chgLayout">
+        <pc:chgData name="Ranjan Sarkar, Jivesh" userId="e8ed4185-1398-4a94-b996-b5467527c1b7" providerId="ADAL" clId="{84BB6DD8-B94B-494E-88EB-F89294FBD832}" dt="2022-10-09T15:07:49.876" v="582"/>
+        <pc:sldMkLst>
+          <pc:docMk/>
+          <pc:sldMk cId="772490052" sldId="269"/>
+        </pc:sldMkLst>
+        <pc:spChg chg="del">
+          <ac:chgData name="Ranjan Sarkar, Jivesh" userId="e8ed4185-1398-4a94-b996-b5467527c1b7" providerId="ADAL" clId="{84BB6DD8-B94B-494E-88EB-F89294FBD832}" dt="2022-10-09T15:00:59.698" v="508"/>
+          <ac:spMkLst>
+            <pc:docMk/>
+            <pc:sldMk cId="772490052" sldId="269"/>
+            <ac:spMk id="2" creationId="{FE61CF39-C707-48AF-FEA2-B32D907DAA44}"/>
+          </ac:spMkLst>
+        </pc:spChg>
+        <pc:spChg chg="del">
+          <ac:chgData name="Ranjan Sarkar, Jivesh" userId="e8ed4185-1398-4a94-b996-b5467527c1b7" providerId="ADAL" clId="{84BB6DD8-B94B-494E-88EB-F89294FBD832}" dt="2022-10-09T15:00:59.698" v="508"/>
+          <ac:spMkLst>
+            <pc:docMk/>
+            <pc:sldMk cId="772490052" sldId="269"/>
+            <ac:spMk id="3" creationId="{BB01379B-64C6-695B-3BB5-B86A880159DE}"/>
+          </ac:spMkLst>
+        </pc:spChg>
+        <pc:spChg chg="add del mod ord">
+          <ac:chgData name="Ranjan Sarkar, Jivesh" userId="e8ed4185-1398-4a94-b996-b5467527c1b7" providerId="ADAL" clId="{84BB6DD8-B94B-494E-88EB-F89294FBD832}" dt="2022-10-09T15:02:29.814" v="546" actId="700"/>
+          <ac:spMkLst>
+            <pc:docMk/>
+            <pc:sldMk cId="772490052" sldId="269"/>
+            <ac:spMk id="4" creationId="{6BBFE6DD-8997-B28F-B711-3D67C5D9AE95}"/>
+          </ac:spMkLst>
+        </pc:spChg>
+        <pc:spChg chg="add del mod ord">
+          <ac:chgData name="Ranjan Sarkar, Jivesh" userId="e8ed4185-1398-4a94-b996-b5467527c1b7" providerId="ADAL" clId="{84BB6DD8-B94B-494E-88EB-F89294FBD832}" dt="2022-10-09T15:02:45.091" v="550" actId="478"/>
+          <ac:spMkLst>
+            <pc:docMk/>
+            <pc:sldMk cId="772490052" sldId="269"/>
+            <ac:spMk id="5" creationId="{B0D2B08B-FC3A-BCD1-982C-46FBDEA6A4D7}"/>
+          </ac:spMkLst>
+        </pc:spChg>
+        <pc:spChg chg="add mod ord">
+          <ac:chgData name="Ranjan Sarkar, Jivesh" userId="e8ed4185-1398-4a94-b996-b5467527c1b7" providerId="ADAL" clId="{84BB6DD8-B94B-494E-88EB-F89294FBD832}" dt="2022-10-09T15:05:29.901" v="567" actId="1076"/>
+          <ac:spMkLst>
+            <pc:docMk/>
+            <pc:sldMk cId="772490052" sldId="269"/>
+            <ac:spMk id="6" creationId="{83C087DF-AC95-1460-C4B7-4280DDBC9E5C}"/>
+          </ac:spMkLst>
+        </pc:spChg>
+        <pc:spChg chg="add del">
+          <ac:chgData name="Ranjan Sarkar, Jivesh" userId="e8ed4185-1398-4a94-b996-b5467527c1b7" providerId="ADAL" clId="{84BB6DD8-B94B-494E-88EB-F89294FBD832}" dt="2022-10-09T15:04:39.625" v="561" actId="26606"/>
+          <ac:spMkLst>
+            <pc:docMk/>
+            <pc:sldMk cId="772490052" sldId="269"/>
+            <ac:spMk id="11" creationId="{62AE8E50-35D4-4D5A-A4BB-168CBB027DA2}"/>
+          </ac:spMkLst>
+        </pc:spChg>
+        <pc:spChg chg="add del">
+          <ac:chgData name="Ranjan Sarkar, Jivesh" userId="e8ed4185-1398-4a94-b996-b5467527c1b7" providerId="ADAL" clId="{84BB6DD8-B94B-494E-88EB-F89294FBD832}" dt="2022-10-09T15:04:31.873" v="558" actId="26606"/>
+          <ac:spMkLst>
+            <pc:docMk/>
+            <pc:sldMk cId="772490052" sldId="269"/>
+            <ac:spMk id="13" creationId="{070784CE-9DD4-4C2D-88B9-D219730A470F}"/>
+          </ac:spMkLst>
+        </pc:spChg>
+        <pc:spChg chg="add del">
+          <ac:chgData name="Ranjan Sarkar, Jivesh" userId="e8ed4185-1398-4a94-b996-b5467527c1b7" providerId="ADAL" clId="{84BB6DD8-B94B-494E-88EB-F89294FBD832}" dt="2022-10-09T15:04:39.625" v="561" actId="26606"/>
+          <ac:spMkLst>
+            <pc:docMk/>
+            <pc:sldMk cId="772490052" sldId="269"/>
+            <ac:spMk id="18" creationId="{C37D1D6D-17D8-4296-B000-665D1892D01E}"/>
+          </ac:spMkLst>
+        </pc:spChg>
+        <pc:spChg chg="add del">
+          <ac:chgData name="Ranjan Sarkar, Jivesh" userId="e8ed4185-1398-4a94-b996-b5467527c1b7" providerId="ADAL" clId="{84BB6DD8-B94B-494E-88EB-F89294FBD832}" dt="2022-10-09T15:04:39.625" v="561" actId="26606"/>
+          <ac:spMkLst>
+            <pc:docMk/>
+            <pc:sldMk cId="772490052" sldId="269"/>
+            <ac:spMk id="19" creationId="{C170DF7D-4686-4BD5-A9CD-C8964928468D}"/>
+          </ac:spMkLst>
+        </pc:spChg>
+        <pc:spChg chg="add del">
+          <ac:chgData name="Ranjan Sarkar, Jivesh" userId="e8ed4185-1398-4a94-b996-b5467527c1b7" providerId="ADAL" clId="{84BB6DD8-B94B-494E-88EB-F89294FBD832}" dt="2022-10-09T15:04:39.625" v="561" actId="26606"/>
+          <ac:spMkLst>
+            <pc:docMk/>
+            <pc:sldMk cId="772490052" sldId="269"/>
+            <ac:spMk id="20" creationId="{1B26E892-1320-40AA-9CA1-246721C18768}"/>
+          </ac:spMkLst>
+        </pc:spChg>
+        <pc:spChg chg="add">
+          <ac:chgData name="Ranjan Sarkar, Jivesh" userId="e8ed4185-1398-4a94-b996-b5467527c1b7" providerId="ADAL" clId="{84BB6DD8-B94B-494E-88EB-F89294FBD832}" dt="2022-10-09T15:04:39.632" v="562" actId="26606"/>
+          <ac:spMkLst>
+            <pc:docMk/>
+            <pc:sldMk cId="772490052" sldId="269"/>
+            <ac:spMk id="22" creationId="{A83E24CA-3560-4B77-9F4B-793BE2A6DECD}"/>
+          </ac:spMkLst>
+        </pc:spChg>
+        <pc:spChg chg="add">
+          <ac:chgData name="Ranjan Sarkar, Jivesh" userId="e8ed4185-1398-4a94-b996-b5467527c1b7" providerId="ADAL" clId="{84BB6DD8-B94B-494E-88EB-F89294FBD832}" dt="2022-10-09T15:04:39.632" v="562" actId="26606"/>
+          <ac:spMkLst>
+            <pc:docMk/>
+            <pc:sldMk cId="772490052" sldId="269"/>
+            <ac:spMk id="23" creationId="{36A995F0-906C-4573-A739-16EED217D852}"/>
+          </ac:spMkLst>
+        </pc:spChg>
+        <pc:picChg chg="add mod">
+          <ac:chgData name="Ranjan Sarkar, Jivesh" userId="e8ed4185-1398-4a94-b996-b5467527c1b7" providerId="ADAL" clId="{84BB6DD8-B94B-494E-88EB-F89294FBD832}" dt="2022-10-09T15:06:03.965" v="572" actId="207"/>
+          <ac:picMkLst>
+            <pc:docMk/>
+            <pc:sldMk cId="772490052" sldId="269"/>
+            <ac:picMk id="7" creationId="{C63711F5-AC58-C4D0-D6CF-357E04B087C3}"/>
+          </ac:picMkLst>
+        </pc:picChg>
+        <pc:picChg chg="add del">
+          <ac:chgData name="Ranjan Sarkar, Jivesh" userId="e8ed4185-1398-4a94-b996-b5467527c1b7" providerId="ADAL" clId="{84BB6DD8-B94B-494E-88EB-F89294FBD832}" dt="2022-10-09T15:04:31.873" v="558" actId="26606"/>
+          <ac:picMkLst>
+            <pc:docMk/>
+            <pc:sldMk cId="772490052" sldId="269"/>
+            <ac:picMk id="10" creationId="{53A508AD-9F4B-F182-E572-4C56BF43CFA7}"/>
+          </ac:picMkLst>
+        </pc:picChg>
+        <pc:cxnChg chg="add del">
+          <ac:chgData name="Ranjan Sarkar, Jivesh" userId="e8ed4185-1398-4a94-b996-b5467527c1b7" providerId="ADAL" clId="{84BB6DD8-B94B-494E-88EB-F89294FBD832}" dt="2022-10-09T15:04:31.873" v="558" actId="26606"/>
+          <ac:cxnSpMkLst>
+            <pc:docMk/>
+            <pc:sldMk cId="772490052" sldId="269"/>
+            <ac:cxnSpMk id="15" creationId="{640A410A-1838-4131-95A6-2BE4F8D412F2}"/>
+          </ac:cxnSpMkLst>
+        </pc:cxnChg>
+        <pc:cxnChg chg="add del">
+          <ac:chgData name="Ranjan Sarkar, Jivesh" userId="e8ed4185-1398-4a94-b996-b5467527c1b7" providerId="ADAL" clId="{84BB6DD8-B94B-494E-88EB-F89294FBD832}" dt="2022-10-09T15:04:39.625" v="561" actId="26606"/>
+          <ac:cxnSpMkLst>
+            <pc:docMk/>
+            <pc:sldMk cId="772490052" sldId="269"/>
+            <ac:cxnSpMk id="17" creationId="{C9A1F79C-E4D1-4AAE-BA11-3A09005252E3}"/>
+          </ac:cxnSpMkLst>
+        </pc:cxnChg>
+        <pc:cxnChg chg="add">
+          <ac:chgData name="Ranjan Sarkar, Jivesh" userId="e8ed4185-1398-4a94-b996-b5467527c1b7" providerId="ADAL" clId="{84BB6DD8-B94B-494E-88EB-F89294FBD832}" dt="2022-10-09T15:04:39.632" v="562" actId="26606"/>
+          <ac:cxnSpMkLst>
+            <pc:docMk/>
+            <pc:sldMk cId="772490052" sldId="269"/>
+            <ac:cxnSpMk id="24" creationId="{C3F5F06D-7250-43A5-9B61-0B7F1FD7E395}"/>
+          </ac:cxnSpMkLst>
+        </pc:cxnChg>
       </pc:sldChg>
     </pc:docChg>
   </pc:docChgLst>
@@ -21420,7 +21768,26 @@
                 <a:effectLst/>
                 <a:latin typeface="arial" panose="020B0604020202020204" pitchFamily="34" charset="0"/>
               </a:rPr>
-              <a:t>The git pull command is </a:t>
+              <a:t>The git </a:t>
+            </a:r>
+            <a:r>
+              <a:rPr lang="en-US" b="1" dirty="0">
+                <a:solidFill>
+                  <a:srgbClr val="202124"/>
+                </a:solidFill>
+                <a:latin typeface="arial" panose="020B0604020202020204" pitchFamily="34" charset="0"/>
+              </a:rPr>
+              <a:t>COMMIT</a:t>
+            </a:r>
+            <a:r>
+              <a:rPr lang="en-US" b="0" i="0" dirty="0">
+                <a:solidFill>
+                  <a:srgbClr val="202124"/>
+                </a:solidFill>
+                <a:effectLst/>
+                <a:latin typeface="arial" panose="020B0604020202020204" pitchFamily="34" charset="0"/>
+              </a:rPr>
+              <a:t> command adds and commits</a:t>
             </a:r>
             <a:r>
               <a:rPr lang="en-US" b="1" i="0" dirty="0">
@@ -21430,18 +21797,59 @@
                 <a:effectLst/>
                 <a:latin typeface="arial" panose="020B0604020202020204" pitchFamily="34" charset="0"/>
               </a:rPr>
-              <a:t>used to fetch and download content from a remote repository and immediately update the local repository to match that content</a:t>
+              <a:t> files to the git repository.</a:t>
             </a:r>
+            <a:endParaRPr lang="en-US" b="0" i="0" dirty="0">
+              <a:solidFill>
+                <a:srgbClr val="202124"/>
+              </a:solidFill>
+              <a:effectLst/>
+              <a:latin typeface="arial" panose="020B0604020202020204" pitchFamily="34" charset="0"/>
+            </a:endParaRPr>
+          </a:p>
+          <a:p>
+            <a:pPr>
+              <a:buFont typeface="Arial" panose="020B0604020202020204" pitchFamily="34" charset="0"/>
+              <a:buChar char="•"/>
+            </a:pPr>
+            <a:endParaRPr lang="en-US" dirty="0">
+              <a:solidFill>
+                <a:srgbClr val="202124"/>
+              </a:solidFill>
+              <a:latin typeface="arial" panose="020B0604020202020204" pitchFamily="34" charset="0"/>
+            </a:endParaRPr>
+          </a:p>
+          <a:p>
+            <a:pPr lvl="1">
+              <a:buFont typeface="Arial" panose="020B0604020202020204" pitchFamily="34" charset="0"/>
+              <a:buChar char="•"/>
+            </a:pPr>
             <a:r>
-              <a:rPr lang="en-US" b="0" i="0" dirty="0">
+              <a:rPr lang="en-US" sz="1800" b="1" dirty="0">
                 <a:solidFill>
-                  <a:srgbClr val="202124"/>
+                  <a:schemeClr val="accent4">
+                    <a:lumMod val="75000"/>
+                  </a:schemeClr>
                 </a:solidFill>
-                <a:effectLst/>
-                <a:latin typeface="arial" panose="020B0604020202020204" pitchFamily="34" charset="0"/>
+                <a:latin typeface="Lucida Console" panose="020B0609040504020204" pitchFamily="49" charset="0"/>
               </a:rPr>
-              <a:t>. </a:t>
+              <a:t>git commit -m &lt;commit message&gt;</a:t>
             </a:r>
+          </a:p>
+          <a:p>
+            <a:pPr lvl="1">
+              <a:buFont typeface="Arial" panose="020B0604020202020204" pitchFamily="34" charset="0"/>
+              <a:buChar char="•"/>
+            </a:pPr>
+            <a:endParaRPr lang="en-US" b="0" i="0" dirty="0">
+              <a:solidFill>
+                <a:schemeClr val="accent4">
+                  <a:lumMod val="75000"/>
+                </a:schemeClr>
+              </a:solidFill>
+              <a:effectLst/>
+              <a:latin typeface="Lucida Console" panose="020B0609040504020204" pitchFamily="49" charset="0"/>
+            </a:endParaRPr>
           </a:p>
           <a:p>
             <a:pPr>
@@ -21449,34 +21857,13 @@
               <a:buChar char="•"/>
             </a:pPr>
             <a:r>
-              <a:rPr lang="en-US" b="0" i="0">
+              <a:rPr lang="en-US" dirty="0">
                 <a:solidFill>
                   <a:srgbClr val="202124"/>
                 </a:solidFill>
-                <a:effectLst/>
                 <a:latin typeface="arial" panose="020B0604020202020204" pitchFamily="34" charset="0"/>
               </a:rPr>
-              <a:t>Merging </a:t>
-            </a:r>
-            <a:r>
-              <a:rPr lang="en-US" b="0" i="0" dirty="0">
-                <a:solidFill>
-                  <a:srgbClr val="202124"/>
-                </a:solidFill>
-                <a:effectLst/>
-                <a:latin typeface="arial" panose="020B0604020202020204" pitchFamily="34" charset="0"/>
-              </a:rPr>
-              <a:t>remote upstream changes into your local repository is a common task in Git-based collaboration </a:t>
-            </a:r>
-            <a:r>
-              <a:rPr lang="en-US" b="0" i="0">
-                <a:solidFill>
-                  <a:srgbClr val="202124"/>
-                </a:solidFill>
-                <a:effectLst/>
-                <a:latin typeface="arial" panose="020B0604020202020204" pitchFamily="34" charset="0"/>
-              </a:rPr>
-              <a:t>workflows.</a:t>
+              <a:t>Note that you have to explicitly tell Git which changes you want to include in a commit before running the "git commit" command.</a:t>
             </a:r>
           </a:p>
           <a:p>
@@ -21497,6 +21884,36 @@
           </a:p>
         </p:txBody>
       </p:sp>
+      <p:pic>
+        <p:nvPicPr>
+          <p:cNvPr id="4" name="Picture 3">
+            <a:extLst>
+              <a:ext uri="{FF2B5EF4-FFF2-40B4-BE49-F238E27FC236}">
+                <a16:creationId xmlns:a16="http://schemas.microsoft.com/office/drawing/2014/main" id="{ED27F6F5-3FBA-D205-5F99-B78D8AB74C5A}"/>
+              </a:ext>
+            </a:extLst>
+          </p:cNvPr>
+          <p:cNvPicPr>
+            <a:picLocks noChangeAspect="1"/>
+          </p:cNvPicPr>
+          <p:nvPr/>
+        </p:nvPicPr>
+        <p:blipFill>
+          <a:blip r:embed="rId2"/>
+          <a:stretch>
+            <a:fillRect/>
+          </a:stretch>
+        </p:blipFill>
+        <p:spPr>
+          <a:xfrm>
+            <a:off x="9905080" y="13716"/>
+            <a:ext cx="2286920" cy="647756"/>
+          </a:xfrm>
+          <a:prstGeom prst="rect">
+            <a:avLst/>
+          </a:prstGeom>
+        </p:spPr>
+      </p:pic>
     </p:spTree>
     <p:extLst>
       <p:ext uri="{BB962C8B-B14F-4D97-AF65-F5344CB8AC3E}">
@@ -21597,7 +22014,7 @@
                 <a:effectLst/>
                 <a:latin typeface="arial" panose="020B0604020202020204" pitchFamily="34" charset="0"/>
               </a:rPr>
-              <a:t>The git pull command is </a:t>
+              <a:t>The git push command is </a:t>
             </a:r>
             <a:r>
               <a:rPr lang="en-US" b="1" i="0" dirty="0">
@@ -21607,7 +22024,7 @@
                 <a:effectLst/>
                 <a:latin typeface="arial" panose="020B0604020202020204" pitchFamily="34" charset="0"/>
               </a:rPr>
-              <a:t>used to fetch and download content from a remote repository and immediately update the local repository to match that content</a:t>
+              <a:t>used to upload local repository content to a remote repository</a:t>
             </a:r>
             <a:r>
               <a:rPr lang="en-US" b="0" i="0" dirty="0">
@@ -21626,15 +22043,21 @@
               <a:buChar char="•"/>
             </a:pPr>
             <a:r>
-              <a:rPr lang="en-US" b="0" i="0">
+              <a:rPr lang="en-US" b="0" i="0" dirty="0">
                 <a:solidFill>
                   <a:srgbClr val="202124"/>
                 </a:solidFill>
                 <a:effectLst/>
                 <a:latin typeface="arial" panose="020B0604020202020204" pitchFamily="34" charset="0"/>
               </a:rPr>
-              <a:t>Merging </a:t>
+              <a:t>Pushing is how you transfer commits from your local repository to a remote repo. </a:t>
             </a:r>
+          </a:p>
+          <a:p>
+            <a:pPr>
+              <a:buFont typeface="Arial" panose="020B0604020202020204" pitchFamily="34" charset="0"/>
+              <a:buChar char="•"/>
+            </a:pPr>
             <a:r>
               <a:rPr lang="en-US" b="0" i="0" dirty="0">
                 <a:solidFill>
@@ -21643,25 +22066,81 @@
                 <a:effectLst/>
                 <a:latin typeface="arial" panose="020B0604020202020204" pitchFamily="34" charset="0"/>
               </a:rPr>
-              <a:t>remote upstream changes into your local repository is a common task in Git-based collaboration </a:t>
+              <a:t>It's the counterpart to git fetch, but whereas fetching imports commits to local branches, pushing exports commits to remote branches.</a:t>
             </a:r>
-            <a:r>
-              <a:rPr lang="en-US" b="0" i="0">
+            <a:br>
+              <a:rPr lang="en-US" b="0" i="0" dirty="0">
                 <a:solidFill>
                   <a:srgbClr val="202124"/>
                 </a:solidFill>
                 <a:effectLst/>
                 <a:latin typeface="arial" panose="020B0604020202020204" pitchFamily="34" charset="0"/>
               </a:rPr>
-              <a:t>workflows.</a:t>
+            </a:br>
+            <a:endParaRPr lang="en-US" dirty="0">
+              <a:solidFill>
+                <a:srgbClr val="202124"/>
+              </a:solidFill>
+              <a:latin typeface="arial" panose="020B0604020202020204" pitchFamily="34" charset="0"/>
+            </a:endParaRPr>
+          </a:p>
+          <a:p>
+            <a:pPr lvl="1">
+              <a:buFont typeface="Arial" panose="020B0604020202020204" pitchFamily="34" charset="0"/>
+              <a:buChar char="•"/>
+            </a:pPr>
+            <a:r>
+              <a:rPr lang="en-US" b="1" i="0" dirty="0">
+                <a:solidFill>
+                  <a:schemeClr val="accent4">
+                    <a:lumMod val="75000"/>
+                  </a:schemeClr>
+                </a:solidFill>
+                <a:effectLst/>
+                <a:latin typeface="arial" panose="020B0604020202020204" pitchFamily="34" charset="0"/>
+              </a:rPr>
+              <a:t>git push -u origin &lt;</a:t>
             </a:r>
+            <a:r>
+              <a:rPr lang="en-US" b="1" i="0" dirty="0" err="1">
+                <a:solidFill>
+                  <a:schemeClr val="accent4">
+                    <a:lumMod val="75000"/>
+                  </a:schemeClr>
+                </a:solidFill>
+                <a:effectLst/>
+                <a:latin typeface="arial" panose="020B0604020202020204" pitchFamily="34" charset="0"/>
+              </a:rPr>
+              <a:t>branch_name</a:t>
+            </a:r>
+            <a:r>
+              <a:rPr lang="en-US" b="1" i="0" dirty="0">
+                <a:solidFill>
+                  <a:schemeClr val="accent4">
+                    <a:lumMod val="75000"/>
+                  </a:schemeClr>
+                </a:solidFill>
+                <a:effectLst/>
+                <a:latin typeface="arial" panose="020B0604020202020204" pitchFamily="34" charset="0"/>
+              </a:rPr>
+              <a:t>&gt;</a:t>
+            </a:r>
+            <a:endParaRPr lang="en-IN" b="1" i="0" dirty="0">
+              <a:solidFill>
+                <a:schemeClr val="accent4">
+                  <a:lumMod val="75000"/>
+                </a:schemeClr>
+              </a:solidFill>
+              <a:effectLst/>
+              <a:latin typeface="arial" panose="020B0604020202020204" pitchFamily="34" charset="0"/>
+            </a:endParaRPr>
           </a:p>
           <a:p>
             <a:pPr>
               <a:buFont typeface="Arial" panose="020B0604020202020204" pitchFamily="34" charset="0"/>
               <a:buChar char="•"/>
             </a:pPr>
-            <a:endParaRPr lang="en-US" b="0" i="0" dirty="0">
+            <a:endParaRPr lang="en-IN" b="0" i="0" dirty="0">
               <a:solidFill>
                 <a:srgbClr val="202124"/>
               </a:solidFill>
@@ -21669,11 +22148,38 @@
               <a:latin typeface="arial" panose="020B0604020202020204" pitchFamily="34" charset="0"/>
             </a:endParaRPr>
           </a:p>
-          <a:p>
-            <a:endParaRPr lang="en-IN" dirty="0"/>
-          </a:p>
         </p:txBody>
       </p:sp>
+      <p:pic>
+        <p:nvPicPr>
+          <p:cNvPr id="8" name="Picture 7">
+            <a:extLst>
+              <a:ext uri="{FF2B5EF4-FFF2-40B4-BE49-F238E27FC236}">
+                <a16:creationId xmlns:a16="http://schemas.microsoft.com/office/drawing/2014/main" id="{8DD38D24-8994-19F9-916B-53D25A0FA7B1}"/>
+              </a:ext>
+            </a:extLst>
+          </p:cNvPr>
+          <p:cNvPicPr>
+            <a:picLocks noChangeAspect="1"/>
+          </p:cNvPicPr>
+          <p:nvPr/>
+        </p:nvPicPr>
+        <p:blipFill>
+          <a:blip r:embed="rId2"/>
+          <a:stretch>
+            <a:fillRect/>
+          </a:stretch>
+        </p:blipFill>
+        <p:spPr>
+          <a:xfrm>
+            <a:off x="9905080" y="13716"/>
+            <a:ext cx="2286920" cy="647756"/>
+          </a:xfrm>
+          <a:prstGeom prst="rect">
+            <a:avLst/>
+          </a:prstGeom>
+        </p:spPr>
+      </p:pic>
     </p:spTree>
     <p:extLst>
       <p:ext uri="{BB962C8B-B14F-4D97-AF65-F5344CB8AC3E}">
@@ -21760,7 +22266,7 @@
         <p:spPr bwMode="auto">
           <a:xfrm>
             <a:off x="1024128" y="2312524"/>
-            <a:ext cx="9781845" cy="3970318"/>
+            <a:ext cx="8672567" cy="3970318"/>
           </a:xfrm>
           <a:prstGeom prst="rect">
             <a:avLst/>
@@ -21948,7 +22454,64 @@
                 <a:latin typeface="Arial" panose="020B0604020202020204" pitchFamily="34" charset="0"/>
                 <a:cs typeface="Arial" panose="020B0604020202020204" pitchFamily="34" charset="0"/>
               </a:rPr>
-              <a:t> git add README.md </a:t>
+              <a:t> </a:t>
+            </a:r>
+          </a:p>
+          <a:p>
+            <a:pPr marR="0" lvl="0" algn="l" defTabSz="914400" rtl="0" eaLnBrk="0" fontAlgn="base" latinLnBrk="0" hangingPunct="0">
+              <a:lnSpc>
+                <a:spcPct val="100000"/>
+              </a:lnSpc>
+              <a:spcBef>
+                <a:spcPct val="0"/>
+              </a:spcBef>
+              <a:spcAft>
+                <a:spcPct val="0"/>
+              </a:spcAft>
+              <a:buClrTx/>
+              <a:buSzTx/>
+              <a:buFont typeface="Wingdings" panose="05000000000000000000" pitchFamily="2" charset="2"/>
+              <a:buChar char="Ø"/>
+              <a:tabLst/>
+            </a:pPr>
+            <a:endParaRPr lang="en-US" altLang="en-US" sz="2000" dirty="0">
+              <a:solidFill>
+                <a:srgbClr val="24292F"/>
+              </a:solidFill>
+              <a:latin typeface="Arial" panose="020B0604020202020204" pitchFamily="34" charset="0"/>
+              <a:cs typeface="Arial" panose="020B0604020202020204" pitchFamily="34" charset="0"/>
+            </a:endParaRPr>
+          </a:p>
+          <a:p>
+            <a:pPr marR="0" lvl="0" algn="l" defTabSz="914400" rtl="0" eaLnBrk="0" fontAlgn="base" latinLnBrk="0" hangingPunct="0">
+              <a:lnSpc>
+                <a:spcPct val="100000"/>
+              </a:lnSpc>
+              <a:spcBef>
+                <a:spcPct val="0"/>
+              </a:spcBef>
+              <a:spcAft>
+                <a:spcPct val="0"/>
+              </a:spcAft>
+              <a:buClrTx/>
+              <a:buSzTx/>
+              <a:buFont typeface="Wingdings" panose="05000000000000000000" pitchFamily="2" charset="2"/>
+              <a:buChar char="Ø"/>
+              <a:tabLst/>
+            </a:pPr>
+            <a:r>
+              <a:rPr kumimoji="0" lang="en-US" altLang="en-US" sz="2000" b="0" i="0" u="none" strike="noStrike" cap="none" normalizeH="0" baseline="0" dirty="0">
+                <a:ln>
+                  <a:noFill/>
+                </a:ln>
+                <a:solidFill>
+                  <a:srgbClr val="24292F"/>
+                </a:solidFill>
+                <a:effectLst/>
+                <a:latin typeface="Arial" panose="020B0604020202020204" pitchFamily="34" charset="0"/>
+                <a:cs typeface="Arial" panose="020B0604020202020204" pitchFamily="34" charset="0"/>
+              </a:rPr>
+              <a:t>git add README.md </a:t>
             </a:r>
           </a:p>
           <a:p>
@@ -22070,11 +22633,11 @@
                 <a:latin typeface="Arial" panose="020B0604020202020204" pitchFamily="34" charset="0"/>
                 <a:cs typeface="Arial" panose="020B0604020202020204" pitchFamily="34" charset="0"/>
               </a:rPr>
-              <a:t>git branch -M main </a:t>
+              <a:t>git branch -M main</a:t>
             </a:r>
           </a:p>
           <a:p>
-            <a:pPr marR="0" lvl="0" algn="l" defTabSz="914400" rtl="0" eaLnBrk="0" fontAlgn="base" latinLnBrk="0" hangingPunct="0">
+            <a:pPr marL="0" marR="0" lvl="0" indent="0" algn="l" defTabSz="914400" rtl="0" eaLnBrk="0" fontAlgn="base" latinLnBrk="0" hangingPunct="0">
               <a:lnSpc>
                 <a:spcPct val="100000"/>
               </a:lnSpc>
@@ -22086,125 +22649,7 @@
               </a:spcAft>
               <a:buClrTx/>
               <a:buSzTx/>
-              <a:buFont typeface="Wingdings" panose="05000000000000000000" pitchFamily="2" charset="2"/>
-              <a:buChar char="Ø"/>
-              <a:tabLst/>
-            </a:pPr>
-            <a:endParaRPr kumimoji="0" lang="en-US" altLang="en-US" sz="2000" b="0" i="0" u="none" strike="noStrike" cap="none" normalizeH="0" baseline="0" dirty="0">
-              <a:ln>
-                <a:noFill/>
-              </a:ln>
-              <a:solidFill>
-                <a:srgbClr val="24292F"/>
-              </a:solidFill>
-              <a:effectLst/>
-              <a:latin typeface="Arial" panose="020B0604020202020204" pitchFamily="34" charset="0"/>
-              <a:cs typeface="Arial" panose="020B0604020202020204" pitchFamily="34" charset="0"/>
-            </a:endParaRPr>
-          </a:p>
-          <a:p>
-            <a:pPr marR="0" lvl="0" algn="l" defTabSz="914400" rtl="0" eaLnBrk="0" fontAlgn="base" latinLnBrk="0" hangingPunct="0">
-              <a:lnSpc>
-                <a:spcPct val="100000"/>
-              </a:lnSpc>
-              <a:spcBef>
-                <a:spcPct val="0"/>
-              </a:spcBef>
-              <a:spcAft>
-                <a:spcPct val="0"/>
-              </a:spcAft>
-              <a:buClrTx/>
-              <a:buSzTx/>
-              <a:buFont typeface="Wingdings" panose="05000000000000000000" pitchFamily="2" charset="2"/>
-              <a:buChar char="Ø"/>
-              <a:tabLst/>
-            </a:pPr>
-            <a:r>
-              <a:rPr kumimoji="0" lang="en-US" altLang="en-US" sz="2000" b="0" i="0" u="none" strike="noStrike" cap="none" normalizeH="0" baseline="0" dirty="0">
-                <a:ln>
-                  <a:noFill/>
-                </a:ln>
-                <a:solidFill>
-                  <a:srgbClr val="24292F"/>
-                </a:solidFill>
-                <a:effectLst/>
-                <a:latin typeface="Arial" panose="020B0604020202020204" pitchFamily="34" charset="0"/>
-                <a:cs typeface="Arial" panose="020B0604020202020204" pitchFamily="34" charset="0"/>
-              </a:rPr>
-              <a:t>git remote add origin </a:t>
-            </a:r>
-            <a:r>
-              <a:rPr kumimoji="0" lang="en-US" altLang="en-US" sz="2000" b="0" i="0" u="none" strike="noStrike" cap="none" normalizeH="0" baseline="0" dirty="0" err="1">
-                <a:ln>
-                  <a:noFill/>
-                </a:ln>
-                <a:solidFill>
-                  <a:srgbClr val="24292F"/>
-                </a:solidFill>
-                <a:effectLst/>
-                <a:latin typeface="Arial" panose="020B0604020202020204" pitchFamily="34" charset="0"/>
-                <a:cs typeface="Arial" panose="020B0604020202020204" pitchFamily="34" charset="0"/>
-                <a:hlinkClick r:id="rId2"/>
-              </a:rPr>
-              <a:t>git@github.com:JiveshSarkar</a:t>
-            </a:r>
-            <a:r>
-              <a:rPr kumimoji="0" lang="en-US" altLang="en-US" sz="2000" b="0" i="0" u="none" strike="noStrike" cap="none" normalizeH="0" baseline="0" dirty="0">
-                <a:ln>
-                  <a:noFill/>
-                </a:ln>
-                <a:solidFill>
-                  <a:srgbClr val="24292F"/>
-                </a:solidFill>
-                <a:effectLst/>
-                <a:latin typeface="Arial" panose="020B0604020202020204" pitchFamily="34" charset="0"/>
-                <a:cs typeface="Arial" panose="020B0604020202020204" pitchFamily="34" charset="0"/>
-                <a:hlinkClick r:id="rId2"/>
-              </a:rPr>
-              <a:t>/</a:t>
-            </a:r>
-            <a:r>
-              <a:rPr kumimoji="0" lang="en-US" altLang="en-US" sz="2000" b="0" i="0" u="none" strike="noStrike" cap="none" normalizeH="0" baseline="0" dirty="0" err="1">
-                <a:ln>
-                  <a:noFill/>
-                </a:ln>
-                <a:solidFill>
-                  <a:srgbClr val="24292F"/>
-                </a:solidFill>
-                <a:effectLst/>
-                <a:latin typeface="Arial" panose="020B0604020202020204" pitchFamily="34" charset="0"/>
-                <a:cs typeface="Arial" panose="020B0604020202020204" pitchFamily="34" charset="0"/>
-                <a:hlinkClick r:id="rId2"/>
-              </a:rPr>
-              <a:t>DemoRepo.git</a:t>
-            </a:r>
-            <a:endParaRPr kumimoji="0" lang="en-US" altLang="en-US" sz="2000" b="0" i="0" u="none" strike="noStrike" cap="none" normalizeH="0" baseline="0" dirty="0">
-              <a:ln>
-                <a:noFill/>
-              </a:ln>
-              <a:solidFill>
-                <a:srgbClr val="24292F"/>
-              </a:solidFill>
-              <a:effectLst/>
-              <a:latin typeface="Arial" panose="020B0604020202020204" pitchFamily="34" charset="0"/>
-              <a:cs typeface="Arial" panose="020B0604020202020204" pitchFamily="34" charset="0"/>
-            </a:endParaRPr>
-          </a:p>
-          <a:p>
-            <a:pPr marR="0" lvl="0" algn="l" defTabSz="914400" rtl="0" eaLnBrk="0" fontAlgn="base" latinLnBrk="0" hangingPunct="0">
-              <a:lnSpc>
-                <a:spcPct val="100000"/>
-              </a:lnSpc>
-              <a:spcBef>
-                <a:spcPct val="0"/>
-              </a:spcBef>
-              <a:spcAft>
-                <a:spcPct val="0"/>
-              </a:spcAft>
-              <a:buClrTx/>
-              <a:buSzTx/>
-              <a:buFont typeface="Wingdings" panose="05000000000000000000" pitchFamily="2" charset="2"/>
-              <a:buChar char="Ø"/>
+              <a:buNone/>
               <a:tabLst/>
             </a:pPr>
             <a:endParaRPr lang="en-US" sz="1800" dirty="0">
@@ -22238,17 +22683,28 @@
                 </a:solidFill>
                 <a:latin typeface="Lucida Console" panose="020B0609040504020204" pitchFamily="49" charset="0"/>
               </a:rPr>
-              <a:t> git remote add origin https://github.com/JiveshSarkar/DemoRepo.git</a:t>
+              <a:t> git remote add origin </a:t>
             </a:r>
             <a:r>
-              <a:rPr kumimoji="0" lang="en-US" altLang="en-US" sz="2000" b="0" i="0" u="none" strike="noStrike" cap="none" normalizeH="0" baseline="0" dirty="0">
-                <a:ln>
-                  <a:noFill/>
-                </a:ln>
+              <a:rPr lang="en-US" sz="2000" dirty="0">
                 <a:solidFill>
-                  <a:srgbClr val="24292F"/>
+                  <a:schemeClr val="accent1">
+                    <a:lumMod val="75000"/>
+                  </a:schemeClr>
                 </a:solidFill>
-                <a:effectLst/>
+                <a:latin typeface="Arial" panose="020B0604020202020204" pitchFamily="34" charset="0"/>
+                <a:cs typeface="Arial" panose="020B0604020202020204" pitchFamily="34" charset="0"/>
+                <a:hlinkClick r:id="rId2"/>
+              </a:rPr>
+              <a:t>https://github.com/DemoUser/DemoRepo.git</a:t>
+            </a:r>
+            <a:r>
+              <a:rPr lang="en-US" altLang="en-US" sz="2000" dirty="0">
+                <a:solidFill>
+                  <a:schemeClr val="accent1">
+                    <a:lumMod val="75000"/>
+                  </a:schemeClr>
+                </a:solidFill>
                 <a:latin typeface="Arial" panose="020B0604020202020204" pitchFamily="34" charset="0"/>
                 <a:cs typeface="Arial" panose="020B0604020202020204" pitchFamily="34" charset="0"/>
               </a:rPr>
@@ -22315,23 +22771,50 @@
               </a:rPr>
               <a:t>git push -u origin main</a:t>
             </a:r>
-            <a:r>
-              <a:rPr kumimoji="0" lang="en-US" altLang="en-US" sz="2000" b="0" i="0" u="none" strike="noStrike" cap="none" normalizeH="0" baseline="0" dirty="0">
-                <a:ln>
-                  <a:noFill/>
-                </a:ln>
-                <a:solidFill>
-                  <a:schemeClr val="tx1"/>
-                </a:solidFill>
-                <a:effectLst/>
-                <a:latin typeface="Arial" panose="020B0604020202020204" pitchFamily="34" charset="0"/>
-                <a:cs typeface="Arial" panose="020B0604020202020204" pitchFamily="34" charset="0"/>
-              </a:rPr>
-              <a:t> </a:t>
-            </a:r>
+            <a:endParaRPr kumimoji="0" lang="en-US" altLang="en-US" sz="2000" b="0" i="0" u="none" strike="noStrike" cap="none" normalizeH="0" baseline="0" dirty="0">
+              <a:ln>
+                <a:noFill/>
+              </a:ln>
+              <a:solidFill>
+                <a:schemeClr val="tx1"/>
+              </a:solidFill>
+              <a:effectLst/>
+              <a:latin typeface="Arial" panose="020B0604020202020204" pitchFamily="34" charset="0"/>
+              <a:cs typeface="Arial" panose="020B0604020202020204" pitchFamily="34" charset="0"/>
+            </a:endParaRPr>
           </a:p>
         </p:txBody>
       </p:sp>
+      <p:pic>
+        <p:nvPicPr>
+          <p:cNvPr id="3" name="Picture 2">
+            <a:extLst>
+              <a:ext uri="{FF2B5EF4-FFF2-40B4-BE49-F238E27FC236}">
+                <a16:creationId xmlns:a16="http://schemas.microsoft.com/office/drawing/2014/main" id="{8B8F3AFC-6698-8B26-DD8A-2893CCD086FA}"/>
+              </a:ext>
+            </a:extLst>
+          </p:cNvPr>
+          <p:cNvPicPr>
+            <a:picLocks noChangeAspect="1"/>
+          </p:cNvPicPr>
+          <p:nvPr/>
+        </p:nvPicPr>
+        <p:blipFill>
+          <a:blip r:embed="rId3"/>
+          <a:stretch>
+            <a:fillRect/>
+          </a:stretch>
+        </p:blipFill>
+        <p:spPr>
+          <a:xfrm>
+            <a:off x="9905080" y="13716"/>
+            <a:ext cx="2286920" cy="647756"/>
+          </a:xfrm>
+          <a:prstGeom prst="rect">
+            <a:avLst/>
+          </a:prstGeom>
+        </p:spPr>
+      </p:pic>
     </p:spTree>
     <p:extLst>
       <p:ext uri="{BB962C8B-B14F-4D97-AF65-F5344CB8AC3E}">
@@ -22415,8 +22898,8 @@
         </p:nvSpPr>
         <p:spPr bwMode="auto">
           <a:xfrm>
-            <a:off x="930631" y="2165651"/>
-            <a:ext cx="10051500" cy="1538883"/>
+            <a:off x="930631" y="1857875"/>
+            <a:ext cx="10051500" cy="2154436"/>
           </a:xfrm>
           <a:prstGeom prst="rect">
             <a:avLst/>
@@ -22493,61 +22976,29 @@
               <a:t>git remote add origin </a:t>
             </a:r>
             <a:r>
-              <a:rPr kumimoji="0" lang="en-US" altLang="en-US" sz="2000" b="0" i="0" u="none" strike="noStrike" cap="none" normalizeH="0" baseline="0" dirty="0" err="1">
-                <a:ln>
-                  <a:noFill/>
-                </a:ln>
+              <a:rPr lang="en-US" sz="2000" dirty="0">
                 <a:solidFill>
-                  <a:srgbClr val="24292F"/>
+                  <a:schemeClr val="accent1">
+                    <a:lumMod val="75000"/>
+                  </a:schemeClr>
                 </a:solidFill>
-                <a:effectLst/>
                 <a:latin typeface="Arial" panose="020B0604020202020204" pitchFamily="34" charset="0"/>
                 <a:cs typeface="Arial" panose="020B0604020202020204" pitchFamily="34" charset="0"/>
+                <a:hlinkClick r:id="rId2"/>
               </a:rPr>
-              <a:t>git@github.com:JiveshSarkar</a:t>
+              <a:t>https://github.com/DemoUser/DemoRepo.git</a:t>
             </a:r>
-            <a:r>
-              <a:rPr kumimoji="0" lang="en-US" altLang="en-US" sz="2000" b="0" i="0" u="none" strike="noStrike" cap="none" normalizeH="0" baseline="0" dirty="0">
-                <a:ln>
-                  <a:noFill/>
-                </a:ln>
-                <a:solidFill>
-                  <a:srgbClr val="24292F"/>
-                </a:solidFill>
-                <a:effectLst/>
-                <a:latin typeface="Arial" panose="020B0604020202020204" pitchFamily="34" charset="0"/>
-                <a:cs typeface="Arial" panose="020B0604020202020204" pitchFamily="34" charset="0"/>
-              </a:rPr>
-              <a:t>/</a:t>
-            </a:r>
-            <a:r>
-              <a:rPr kumimoji="0" lang="en-US" altLang="en-US" sz="2000" b="0" i="0" u="none" strike="noStrike" cap="none" normalizeH="0" baseline="0" dirty="0" err="1">
-                <a:ln>
-                  <a:noFill/>
-                </a:ln>
-                <a:solidFill>
-                  <a:srgbClr val="24292F"/>
-                </a:solidFill>
-                <a:effectLst/>
-                <a:latin typeface="Arial" panose="020B0604020202020204" pitchFamily="34" charset="0"/>
-                <a:cs typeface="Arial" panose="020B0604020202020204" pitchFamily="34" charset="0"/>
-              </a:rPr>
-              <a:t>DemoRepo.git</a:t>
-            </a:r>
-            <a:r>
-              <a:rPr kumimoji="0" lang="en-US" altLang="en-US" sz="2000" b="0" i="0" u="none" strike="noStrike" cap="none" normalizeH="0" baseline="0" dirty="0">
-                <a:ln>
-                  <a:noFill/>
-                </a:ln>
-                <a:solidFill>
-                  <a:srgbClr val="24292F"/>
-                </a:solidFill>
-                <a:effectLst/>
-                <a:latin typeface="Arial" panose="020B0604020202020204" pitchFamily="34" charset="0"/>
-                <a:cs typeface="Arial" panose="020B0604020202020204" pitchFamily="34" charset="0"/>
-              </a:rPr>
-              <a:t> </a:t>
-            </a:r>
+            <a:endParaRPr kumimoji="0" lang="en-US" altLang="en-US" sz="2000" b="0" i="0" u="none" strike="noStrike" cap="none" normalizeH="0" baseline="0" dirty="0">
+              <a:ln>
+                <a:noFill/>
+              </a:ln>
+              <a:solidFill>
+                <a:srgbClr val="24292F"/>
+              </a:solidFill>
+              <a:effectLst/>
+              <a:latin typeface="Arial" panose="020B0604020202020204" pitchFamily="34" charset="0"/>
+              <a:cs typeface="Arial" panose="020B0604020202020204" pitchFamily="34" charset="0"/>
+            </a:endParaRPr>
           </a:p>
           <a:p>
             <a:pPr marL="516636" lvl="1" indent="-342900" eaLnBrk="0" fontAlgn="base" hangingPunct="0">
@@ -22588,19 +23039,95 @@
               <a:buChar char="Ø"/>
             </a:pPr>
             <a:r>
-              <a:rPr kumimoji="0" lang="en-US" altLang="en-US" sz="2000" b="0" i="0" u="none" strike="noStrike" cap="none" normalizeH="0" baseline="0" dirty="0">
-                <a:ln>
-                  <a:noFill/>
-                </a:ln>
+              <a:rPr lang="en-IN" sz="2000" dirty="0">
                 <a:solidFill>
                   <a:srgbClr val="24292F"/>
                 </a:solidFill>
-                <a:effectLst/>
                 <a:latin typeface="Arial" panose="020B0604020202020204" pitchFamily="34" charset="0"/>
                 <a:cs typeface="Arial" panose="020B0604020202020204" pitchFamily="34" charset="0"/>
               </a:rPr>
-              <a:t>git branch -M main </a:t>
+              <a:t>git pull </a:t>
             </a:r>
+            <a:r>
+              <a:rPr lang="en-US" sz="2000" dirty="0">
+                <a:solidFill>
+                  <a:schemeClr val="accent1">
+                    <a:lumMod val="75000"/>
+                  </a:schemeClr>
+                </a:solidFill>
+                <a:latin typeface="Arial" panose="020B0604020202020204" pitchFamily="34" charset="0"/>
+                <a:cs typeface="Arial" panose="020B0604020202020204" pitchFamily="34" charset="0"/>
+                <a:hlinkClick r:id="rId2"/>
+              </a:rPr>
+              <a:t>https://github.com/DemoUser/DemoRepo.git</a:t>
+            </a:r>
+            <a:endParaRPr lang="en-US" sz="2000" dirty="0">
+              <a:solidFill>
+                <a:schemeClr val="accent1">
+                  <a:lumMod val="75000"/>
+                </a:schemeClr>
+              </a:solidFill>
+              <a:latin typeface="Arial" panose="020B0604020202020204" pitchFamily="34" charset="0"/>
+              <a:cs typeface="Arial" panose="020B0604020202020204" pitchFamily="34" charset="0"/>
+            </a:endParaRPr>
+          </a:p>
+          <a:p>
+            <a:pPr marL="516636" lvl="1" indent="-342900" eaLnBrk="0" fontAlgn="base" hangingPunct="0">
+              <a:lnSpc>
+                <a:spcPct val="100000"/>
+              </a:lnSpc>
+              <a:spcBef>
+                <a:spcPct val="0"/>
+              </a:spcBef>
+              <a:spcAft>
+                <a:spcPct val="0"/>
+              </a:spcAft>
+              <a:buClrTx/>
+              <a:buFont typeface="Wingdings" panose="05000000000000000000" pitchFamily="2" charset="2"/>
+              <a:buChar char="Ø"/>
+            </a:pPr>
+            <a:endParaRPr lang="en-US" sz="2000" dirty="0">
+              <a:solidFill>
+                <a:schemeClr val="accent1">
+                  <a:lumMod val="75000"/>
+                </a:schemeClr>
+              </a:solidFill>
+              <a:latin typeface="Arial" panose="020B0604020202020204" pitchFamily="34" charset="0"/>
+              <a:cs typeface="Arial" panose="020B0604020202020204" pitchFamily="34" charset="0"/>
+            </a:endParaRPr>
+          </a:p>
+          <a:p>
+            <a:pPr marL="516636" lvl="1" indent="-342900" eaLnBrk="0" fontAlgn="base" hangingPunct="0">
+              <a:lnSpc>
+                <a:spcPct val="100000"/>
+              </a:lnSpc>
+              <a:spcBef>
+                <a:spcPct val="0"/>
+              </a:spcBef>
+              <a:spcAft>
+                <a:spcPct val="0"/>
+              </a:spcAft>
+              <a:buClrTx/>
+              <a:buFont typeface="Wingdings" panose="05000000000000000000" pitchFamily="2" charset="2"/>
+              <a:buChar char="Ø"/>
+            </a:pPr>
+            <a:r>
+              <a:rPr lang="en-US" sz="2000" dirty="0">
+                <a:solidFill>
+                  <a:srgbClr val="24292F"/>
+                </a:solidFill>
+                <a:latin typeface="Arial" panose="020B0604020202020204" pitchFamily="34" charset="0"/>
+                <a:cs typeface="Arial" panose="020B0604020202020204" pitchFamily="34" charset="0"/>
+              </a:rPr>
+              <a:t>git commit –m “my changes”</a:t>
+            </a:r>
+            <a:endParaRPr lang="en-IN" sz="2000" dirty="0">
+              <a:solidFill>
+                <a:srgbClr val="24292F"/>
+              </a:solidFill>
+              <a:latin typeface="Arial" panose="020B0604020202020204" pitchFamily="34" charset="0"/>
+              <a:cs typeface="Arial" panose="020B0604020202020204" pitchFamily="34" charset="0"/>
+            </a:endParaRPr>
           </a:p>
           <a:p>
             <a:pPr marL="516636" lvl="1" indent="-342900" eaLnBrk="0" fontAlgn="base" hangingPunct="0">
@@ -22654,23 +23181,50 @@
               </a:rPr>
               <a:t>git push -u origin main</a:t>
             </a:r>
-            <a:r>
-              <a:rPr kumimoji="0" lang="en-US" altLang="en-US" sz="2000" b="0" i="0" u="none" strike="noStrike" cap="none" normalizeH="0" baseline="0" dirty="0">
-                <a:ln>
-                  <a:noFill/>
-                </a:ln>
-                <a:solidFill>
-                  <a:schemeClr val="tx1"/>
-                </a:solidFill>
-                <a:effectLst/>
-                <a:latin typeface="Arial" panose="020B0604020202020204" pitchFamily="34" charset="0"/>
-                <a:cs typeface="Arial" panose="020B0604020202020204" pitchFamily="34" charset="0"/>
-              </a:rPr>
-              <a:t> </a:t>
-            </a:r>
+            <a:endParaRPr kumimoji="0" lang="en-US" altLang="en-US" sz="2000" b="0" i="0" u="none" strike="noStrike" cap="none" normalizeH="0" baseline="0" dirty="0">
+              <a:ln>
+                <a:noFill/>
+              </a:ln>
+              <a:solidFill>
+                <a:schemeClr val="tx1"/>
+              </a:solidFill>
+              <a:effectLst/>
+              <a:latin typeface="Arial" panose="020B0604020202020204" pitchFamily="34" charset="0"/>
+              <a:cs typeface="Arial" panose="020B0604020202020204" pitchFamily="34" charset="0"/>
+            </a:endParaRPr>
           </a:p>
         </p:txBody>
       </p:sp>
+      <p:pic>
+        <p:nvPicPr>
+          <p:cNvPr id="4" name="Picture 3">
+            <a:extLst>
+              <a:ext uri="{FF2B5EF4-FFF2-40B4-BE49-F238E27FC236}">
+                <a16:creationId xmlns:a16="http://schemas.microsoft.com/office/drawing/2014/main" id="{87243D7F-D338-E3C0-1EF0-876E924EFC9E}"/>
+              </a:ext>
+            </a:extLst>
+          </p:cNvPr>
+          <p:cNvPicPr>
+            <a:picLocks noChangeAspect="1"/>
+          </p:cNvPicPr>
+          <p:nvPr/>
+        </p:nvPicPr>
+        <p:blipFill>
+          <a:blip r:embed="rId3"/>
+          <a:stretch>
+            <a:fillRect/>
+          </a:stretch>
+        </p:blipFill>
+        <p:spPr>
+          <a:xfrm>
+            <a:off x="9905080" y="13716"/>
+            <a:ext cx="2286920" cy="647756"/>
+          </a:xfrm>
+          <a:prstGeom prst="rect">
+            <a:avLst/>
+          </a:prstGeom>
+        </p:spPr>
+      </p:pic>
     </p:spTree>
     <p:extLst>
       <p:ext uri="{BB962C8B-B14F-4D97-AF65-F5344CB8AC3E}">
@@ -22681,6 +23235,453 @@
   <p:clrMapOvr>
     <a:masterClrMapping/>
   </p:clrMapOvr>
+</p:sld>
+</file>
+
+<file path=ppt/slides/slide14.xml><?xml version="1.0" encoding="utf-8"?>
+<p:sld xmlns:a="http://schemas.openxmlformats.org/drawingml/2006/main" xmlns:r="http://schemas.openxmlformats.org/officeDocument/2006/relationships" xmlns:p="http://schemas.openxmlformats.org/presentationml/2006/main">
+  <p:cSld>
+    <p:bg>
+      <p:bgPr>
+        <a:solidFill>
+          <a:schemeClr val="bg1"/>
+        </a:solidFill>
+        <a:effectLst/>
+      </p:bgPr>
+    </p:bg>
+    <p:spTree>
+      <p:nvGrpSpPr>
+        <p:cNvPr id="1" name=""/>
+        <p:cNvGrpSpPr/>
+        <p:nvPr/>
+      </p:nvGrpSpPr>
+      <p:grpSpPr>
+        <a:xfrm>
+          <a:off x="0" y="0"/>
+          <a:ext cx="0" cy="0"/>
+          <a:chOff x="0" y="0"/>
+          <a:chExt cx="0" cy="0"/>
+        </a:xfrm>
+      </p:grpSpPr>
+      <p:sp>
+        <p:nvSpPr>
+          <p:cNvPr id="22" name="Rectangle 10">
+            <a:extLst>
+              <a:ext uri="{FF2B5EF4-FFF2-40B4-BE49-F238E27FC236}">
+                <a16:creationId xmlns:a16="http://schemas.microsoft.com/office/drawing/2014/main" id="{A83E24CA-3560-4B77-9F4B-793BE2A6DECD}"/>
+              </a:ext>
+              <a:ext uri="{C183D7F6-B498-43B3-948B-1728B52AA6E4}">
+                <adec:decorative xmlns:adec="http://schemas.microsoft.com/office/drawing/2017/decorative" val="1"/>
+              </a:ext>
+            </a:extLst>
+          </p:cNvPr>
+          <p:cNvSpPr>
+            <a:spLocks noGrp="1" noRot="1" noChangeAspect="1" noMove="1" noResize="1" noEditPoints="1" noAdjustHandles="1" noChangeArrowheads="1" noChangeShapeType="1" noTextEdit="1"/>
+          </p:cNvSpPr>
+          <p:nvPr>
+            <p:extLst>
+              <p:ext uri="{386F3935-93C4-4BCD-93E2-E3B085C9AB24}">
+                <p16:designElem xmlns:p16="http://schemas.microsoft.com/office/powerpoint/2015/main" val="1"/>
+              </p:ext>
+            </p:extLst>
+          </p:nvPr>
+        </p:nvSpPr>
+        <p:spPr>
+          <a:xfrm>
+            <a:off x="0" y="0"/>
+            <a:ext cx="12192000" cy="6858000"/>
+          </a:xfrm>
+          <a:prstGeom prst="rect">
+            <a:avLst/>
+          </a:prstGeom>
+          <a:blipFill dpi="0" rotWithShape="1">
+            <a:blip r:embed="rId2">
+              <a:duotone>
+                <a:schemeClr val="accent1">
+                  <a:shade val="45000"/>
+                  <a:satMod val="135000"/>
+                </a:schemeClr>
+                <a:prstClr val="white"/>
+              </a:duotone>
+            </a:blip>
+            <a:srcRect/>
+            <a:tile tx="-444500" ty="-127000" sx="50000" sy="50000" flip="xy" algn="tl"/>
+          </a:blipFill>
+          <a:ln>
+            <a:noFill/>
+          </a:ln>
+        </p:spPr>
+        <p:style>
+          <a:lnRef idx="2">
+            <a:schemeClr val="accent1">
+              <a:shade val="50000"/>
+            </a:schemeClr>
+          </a:lnRef>
+          <a:fillRef idx="1">
+            <a:schemeClr val="accent1"/>
+          </a:fillRef>
+          <a:effectRef idx="0">
+            <a:schemeClr val="accent1"/>
+          </a:effectRef>
+          <a:fontRef idx="minor">
+            <a:schemeClr val="lt1"/>
+          </a:fontRef>
+        </p:style>
+        <p:txBody>
+          <a:bodyPr rtlCol="0" anchor="ctr"/>
+          <a:lstStyle/>
+          <a:p>
+            <a:pPr lvl="0" algn="ctr"/>
+            <a:endParaRPr lang="en-US" dirty="0">
+              <a:solidFill>
+                <a:prstClr val="white"/>
+              </a:solidFill>
+            </a:endParaRPr>
+          </a:p>
+        </p:txBody>
+      </p:sp>
+      <p:sp>
+        <p:nvSpPr>
+          <p:cNvPr id="23" name="Rectangle 12">
+            <a:extLst>
+              <a:ext uri="{FF2B5EF4-FFF2-40B4-BE49-F238E27FC236}">
+                <a16:creationId xmlns:a16="http://schemas.microsoft.com/office/drawing/2014/main" id="{36A995F0-906C-4573-A739-16EED217D852}"/>
+              </a:ext>
+              <a:ext uri="{C183D7F6-B498-43B3-948B-1728B52AA6E4}">
+                <adec:decorative xmlns:adec="http://schemas.microsoft.com/office/drawing/2017/decorative" val="1"/>
+              </a:ext>
+            </a:extLst>
+          </p:cNvPr>
+          <p:cNvSpPr>
+            <a:spLocks noGrp="1" noRot="1" noChangeAspect="1" noMove="1" noResize="1" noEditPoints="1" noAdjustHandles="1" noChangeArrowheads="1" noChangeShapeType="1" noTextEdit="1"/>
+          </p:cNvSpPr>
+          <p:nvPr>
+            <p:extLst>
+              <p:ext uri="{386F3935-93C4-4BCD-93E2-E3B085C9AB24}">
+                <p16:designElem xmlns:p16="http://schemas.microsoft.com/office/powerpoint/2015/main" val="1"/>
+              </p:ext>
+            </p:extLst>
+          </p:nvPr>
+        </p:nvSpPr>
+        <p:spPr>
+          <a:xfrm>
+            <a:off x="5109343" y="620720"/>
+            <a:ext cx="6442480" cy="5593163"/>
+          </a:xfrm>
+          <a:prstGeom prst="rect">
+            <a:avLst/>
+          </a:prstGeom>
+          <a:solidFill>
+            <a:schemeClr val="tx1">
+              <a:lumMod val="75000"/>
+              <a:lumOff val="25000"/>
+            </a:schemeClr>
+          </a:solidFill>
+          <a:ln>
+            <a:noFill/>
+          </a:ln>
+        </p:spPr>
+        <p:style>
+          <a:lnRef idx="2">
+            <a:schemeClr val="accent1">
+              <a:shade val="50000"/>
+            </a:schemeClr>
+          </a:lnRef>
+          <a:fillRef idx="1">
+            <a:schemeClr val="accent1"/>
+          </a:fillRef>
+          <a:effectRef idx="0">
+            <a:schemeClr val="accent1"/>
+          </a:effectRef>
+          <a:fontRef idx="minor">
+            <a:schemeClr val="lt1"/>
+          </a:fontRef>
+        </p:style>
+        <p:txBody>
+          <a:bodyPr rtlCol="0" anchor="ctr"/>
+          <a:lstStyle/>
+          <a:p>
+            <a:pPr algn="ctr"/>
+            <a:endParaRPr lang="en-US"/>
+          </a:p>
+        </p:txBody>
+      </p:sp>
+      <p:sp>
+        <p:nvSpPr>
+          <p:cNvPr id="6" name="Title 5">
+            <a:extLst>
+              <a:ext uri="{FF2B5EF4-FFF2-40B4-BE49-F238E27FC236}">
+                <a16:creationId xmlns:a16="http://schemas.microsoft.com/office/drawing/2014/main" id="{83C087DF-AC95-1460-C4B7-4280DDBC9E5C}"/>
+              </a:ext>
+            </a:extLst>
+          </p:cNvPr>
+          <p:cNvSpPr>
+            <a:spLocks noGrp="1"/>
+          </p:cNvSpPr>
+          <p:nvPr>
+            <p:ph type="ctrTitle"/>
+          </p:nvPr>
+        </p:nvSpPr>
+        <p:spPr>
+          <a:xfrm>
+            <a:off x="5431744" y="3103116"/>
+            <a:ext cx="5477071" cy="3023981"/>
+          </a:xfrm>
+        </p:spPr>
+        <p:txBody>
+          <a:bodyPr anchor="b">
+            <a:normAutofit/>
+          </a:bodyPr>
+          <a:lstStyle/>
+          <a:p>
+            <a:pPr algn="l"/>
+            <a:r>
+              <a:rPr lang="en-US" sz="4400" b="1" cap="none" spc="0" dirty="0">
+                <a:ln w="22225">
+                  <a:solidFill>
+                    <a:schemeClr val="accent4">
+                      <a:lumMod val="75000"/>
+                    </a:schemeClr>
+                  </a:solidFill>
+                  <a:prstDash val="solid"/>
+                </a:ln>
+                <a:solidFill>
+                  <a:schemeClr val="bg1"/>
+                </a:solidFill>
+              </a:rPr>
+              <a:t>Thank You!</a:t>
+            </a:r>
+            <a:br>
+              <a:rPr lang="en-US" sz="4400" b="1" cap="none" spc="0" dirty="0">
+                <a:ln w="22225">
+                  <a:solidFill>
+                    <a:schemeClr val="accent4">
+                      <a:lumMod val="75000"/>
+                    </a:schemeClr>
+                  </a:solidFill>
+                  <a:prstDash val="solid"/>
+                </a:ln>
+                <a:solidFill>
+                  <a:schemeClr val="bg1"/>
+                </a:solidFill>
+              </a:rPr>
+            </a:br>
+            <a:r>
+              <a:rPr lang="en-US" sz="4400" cap="none" spc="0" dirty="0">
+                <a:ln w="0"/>
+                <a:solidFill>
+                  <a:schemeClr val="bg1"/>
+                </a:solidFill>
+                <a:effectLst>
+                  <a:innerShdw blurRad="114300">
+                    <a:prstClr val="black"/>
+                  </a:innerShdw>
+                </a:effectLst>
+              </a:rPr>
+              <a:t>For Your Attention</a:t>
+            </a:r>
+            <a:br>
+              <a:rPr lang="en-IN" sz="4400" dirty="0">
+                <a:solidFill>
+                  <a:schemeClr val="bg1"/>
+                </a:solidFill>
+              </a:rPr>
+            </a:br>
+            <a:endParaRPr lang="en-IN" sz="4400" dirty="0">
+              <a:solidFill>
+                <a:schemeClr val="bg1"/>
+              </a:solidFill>
+            </a:endParaRPr>
+          </a:p>
+        </p:txBody>
+      </p:sp>
+      <p:cxnSp>
+        <p:nvCxnSpPr>
+          <p:cNvPr id="24" name="Straight Connector 14">
+            <a:extLst>
+              <a:ext uri="{FF2B5EF4-FFF2-40B4-BE49-F238E27FC236}">
+                <a16:creationId xmlns:a16="http://schemas.microsoft.com/office/drawing/2014/main" id="{C3F5F06D-7250-43A5-9B61-0B7F1FD7E395}"/>
+              </a:ext>
+              <a:ext uri="{C183D7F6-B498-43B3-948B-1728B52AA6E4}">
+                <adec:decorative xmlns:adec="http://schemas.microsoft.com/office/drawing/2017/decorative" val="1"/>
+              </a:ext>
+            </a:extLst>
+          </p:cNvPr>
+          <p:cNvCxnSpPr>
+            <a:cxnSpLocks noGrp="1" noRot="1" noChangeAspect="1" noMove="1" noResize="1" noEditPoints="1" noAdjustHandles="1" noChangeArrowheads="1" noChangeShapeType="1"/>
+          </p:cNvCxnSpPr>
+          <p:nvPr>
+            <p:extLst>
+              <p:ext uri="{386F3935-93C4-4BCD-93E2-E3B085C9AB24}">
+                <p16:designElem xmlns:p16="http://schemas.microsoft.com/office/powerpoint/2015/main" val="1"/>
+              </p:ext>
+            </p:extLst>
+          </p:nvPr>
+        </p:nvCxnSpPr>
+        <p:spPr>
+          <a:xfrm>
+            <a:off x="5609960" y="4214336"/>
+            <a:ext cx="5120640" cy="0"/>
+          </a:xfrm>
+          <a:prstGeom prst="line">
+            <a:avLst/>
+          </a:prstGeom>
+          <a:ln w="19050">
+            <a:solidFill>
+              <a:schemeClr val="bg1"/>
+            </a:solidFill>
+          </a:ln>
+        </p:spPr>
+        <p:style>
+          <a:lnRef idx="1">
+            <a:schemeClr val="accent1"/>
+          </a:lnRef>
+          <a:fillRef idx="0">
+            <a:schemeClr val="accent1"/>
+          </a:fillRef>
+          <a:effectRef idx="0">
+            <a:schemeClr val="accent1"/>
+          </a:effectRef>
+          <a:fontRef idx="minor">
+            <a:schemeClr val="tx1"/>
+          </a:fontRef>
+        </p:style>
+      </p:cxnSp>
+      <p:pic>
+        <p:nvPicPr>
+          <p:cNvPr id="7" name="Graphic 6" descr="Smiling Face with No Fill">
+            <a:extLst>
+              <a:ext uri="{FF2B5EF4-FFF2-40B4-BE49-F238E27FC236}">
+                <a16:creationId xmlns:a16="http://schemas.microsoft.com/office/drawing/2014/main" id="{C63711F5-AC58-C4D0-D6CF-357E04B087C3}"/>
+              </a:ext>
+            </a:extLst>
+          </p:cNvPr>
+          <p:cNvPicPr>
+            <a:picLocks noChangeAspect="1"/>
+          </p:cNvPicPr>
+          <p:nvPr/>
+        </p:nvPicPr>
+        <p:blipFill>
+          <a:blip r:embed="rId3">
+            <a:extLst>
+              <a:ext uri="{28A0092B-C50C-407E-A947-70E740481C1C}">
+                <a14:useLocalDpi xmlns:a14="http://schemas.microsoft.com/office/drawing/2010/main" val="0"/>
+              </a:ext>
+              <a:ext uri="{96DAC541-7B7A-43D3-8B79-37D633B846F1}">
+                <asvg:svgBlip xmlns:asvg="http://schemas.microsoft.com/office/drawing/2016/SVG/main" r:embed="rId4"/>
+              </a:ext>
+            </a:extLst>
+          </a:blip>
+          <a:stretch>
+            <a:fillRect/>
+          </a:stretch>
+        </p:blipFill>
+        <p:spPr>
+          <a:xfrm>
+            <a:off x="6482029" y="833745"/>
+            <a:ext cx="3697108" cy="3250507"/>
+          </a:xfrm>
+          <a:prstGeom prst="rect">
+            <a:avLst/>
+          </a:prstGeom>
+        </p:spPr>
+      </p:pic>
+    </p:spTree>
+    <p:extLst>
+      <p:ext uri="{BB962C8B-B14F-4D97-AF65-F5344CB8AC3E}">
+        <p14:creationId xmlns:p14="http://schemas.microsoft.com/office/powerpoint/2010/main" val="772490052"/>
+      </p:ext>
+    </p:extLst>
+  </p:cSld>
+  <p:clrMapOvr>
+    <a:masterClrMapping/>
+  </p:clrMapOvr>
+  <p:timing>
+    <p:tnLst>
+      <p:par>
+        <p:cTn id="1" dur="indefinite" restart="never" nodeType="tmRoot">
+          <p:childTnLst>
+            <p:seq concurrent="1" nextAc="seek">
+              <p:cTn id="2" dur="indefinite" nodeType="mainSeq">
+                <p:childTnLst>
+                  <p:par>
+                    <p:cTn id="3" fill="hold">
+                      <p:stCondLst>
+                        <p:cond delay="indefinite"/>
+                      </p:stCondLst>
+                      <p:childTnLst>
+                        <p:par>
+                          <p:cTn id="4" fill="hold">
+                            <p:stCondLst>
+                              <p:cond delay="0"/>
+                            </p:stCondLst>
+                            <p:childTnLst>
+                              <p:par>
+                                <p:cTn id="5" presetID="6" presetClass="entr" presetSubtype="16" fill="hold" grpId="0" nodeType="clickEffect">
+                                  <p:stCondLst>
+                                    <p:cond delay="0"/>
+                                  </p:stCondLst>
+                                  <p:childTnLst>
+                                    <p:set>
+                                      <p:cBhvr>
+                                        <p:cTn id="6" dur="1" fill="hold">
+                                          <p:stCondLst>
+                                            <p:cond delay="0"/>
+                                          </p:stCondLst>
+                                        </p:cTn>
+                                        <p:tgtEl>
+                                          <p:spTgt spid="6"/>
+                                        </p:tgtEl>
+                                        <p:attrNameLst>
+                                          <p:attrName>style.visibility</p:attrName>
+                                        </p:attrNameLst>
+                                      </p:cBhvr>
+                                      <p:to>
+                                        <p:strVal val="visible"/>
+                                      </p:to>
+                                    </p:set>
+                                    <p:animEffect transition="in" filter="circle(in)">
+                                      <p:cBhvr>
+                                        <p:cTn id="7" dur="2000"/>
+                                        <p:tgtEl>
+                                          <p:spTgt spid="6"/>
+                                        </p:tgtEl>
+                                      </p:cBhvr>
+                                    </p:animEffect>
+                                  </p:childTnLst>
+                                </p:cTn>
+                              </p:par>
+                            </p:childTnLst>
+                          </p:cTn>
+                        </p:par>
+                      </p:childTnLst>
+                    </p:cTn>
+                  </p:par>
+                </p:childTnLst>
+              </p:cTn>
+              <p:prevCondLst>
+                <p:cond evt="onPrev" delay="0">
+                  <p:tgtEl>
+                    <p:sldTgt/>
+                  </p:tgtEl>
+                </p:cond>
+              </p:prevCondLst>
+              <p:nextCondLst>
+                <p:cond evt="onNext" delay="0">
+                  <p:tgtEl>
+                    <p:sldTgt/>
+                  </p:tgtEl>
+                </p:cond>
+              </p:nextCondLst>
+            </p:seq>
+          </p:childTnLst>
+        </p:cTn>
+      </p:par>
+    </p:tnLst>
+    <p:bldLst>
+      <p:bldP spid="6" grpId="0"/>
+    </p:bldLst>
+  </p:timing>
 </p:sld>
 </file>
 
@@ -23016,6 +24017,36 @@
           </a:p>
         </p:txBody>
       </p:sp>
+      <p:pic>
+        <p:nvPicPr>
+          <p:cNvPr id="5" name="Picture 4">
+            <a:extLst>
+              <a:ext uri="{FF2B5EF4-FFF2-40B4-BE49-F238E27FC236}">
+                <a16:creationId xmlns:a16="http://schemas.microsoft.com/office/drawing/2014/main" id="{11ADCE72-9AEE-6C26-3AE8-5E6D53907177}"/>
+              </a:ext>
+            </a:extLst>
+          </p:cNvPr>
+          <p:cNvPicPr>
+            <a:picLocks noChangeAspect="1"/>
+          </p:cNvPicPr>
+          <p:nvPr/>
+        </p:nvPicPr>
+        <p:blipFill>
+          <a:blip r:embed="rId2"/>
+          <a:stretch>
+            <a:fillRect/>
+          </a:stretch>
+        </p:blipFill>
+        <p:spPr>
+          <a:xfrm>
+            <a:off x="9583348" y="278948"/>
+            <a:ext cx="2286920" cy="647756"/>
+          </a:xfrm>
+          <a:prstGeom prst="rect">
+            <a:avLst/>
+          </a:prstGeom>
+        </p:spPr>
+      </p:pic>
     </p:spTree>
     <p:extLst>
       <p:ext uri="{BB962C8B-B14F-4D97-AF65-F5344CB8AC3E}">
@@ -23115,7 +24146,7 @@
         <p:spPr>
           <a:xfrm>
             <a:off x="1024128" y="2286000"/>
-            <a:ext cx="8018271" cy="4023360"/>
+            <a:ext cx="8474435" cy="4023360"/>
           </a:xfrm>
         </p:spPr>
         <p:txBody>
@@ -23241,14 +24272,14 @@
               <a:buChar char="•"/>
             </a:pPr>
             <a:r>
-              <a:rPr lang="en-US" b="1" i="0" dirty="0">
+              <a:rPr lang="en-US" i="0" dirty="0">
                 <a:solidFill>
                   <a:srgbClr val="000000"/>
                 </a:solidFill>
                 <a:effectLst/>
                 <a:latin typeface="Verdana" panose="020B0604030504040204" pitchFamily="34" charset="0"/>
               </a:rPr>
-              <a:t>Branch</a:t>
+              <a:t>It allows working</a:t>
             </a:r>
             <a:r>
               <a:rPr lang="en-US" b="0" i="0" dirty="0">
@@ -23258,27 +24289,7 @@
                 <a:effectLst/>
                 <a:latin typeface="Verdana" panose="020B0604030504040204" pitchFamily="34" charset="0"/>
               </a:rPr>
-              <a:t> and </a:t>
-            </a:r>
-            <a:r>
-              <a:rPr lang="en-US" b="1" i="0" dirty="0">
-                <a:solidFill>
-                  <a:srgbClr val="000000"/>
-                </a:solidFill>
-                <a:effectLst/>
-                <a:latin typeface="Verdana" panose="020B0604030504040204" pitchFamily="34" charset="0"/>
-              </a:rPr>
-              <a:t>Merge</a:t>
-            </a:r>
-            <a:r>
-              <a:rPr lang="en-US" b="0" i="0" dirty="0">
-                <a:solidFill>
-                  <a:srgbClr val="000000"/>
-                </a:solidFill>
-                <a:effectLst/>
-                <a:latin typeface="Verdana" panose="020B0604030504040204" pitchFamily="34" charset="0"/>
-              </a:rPr>
-              <a:t> to allow for work on different parts and versions of a project</a:t>
+              <a:t> on different parts and versions of a project</a:t>
             </a:r>
           </a:p>
           <a:p>
@@ -23463,6 +24474,36 @@
           </a:p>
         </p:txBody>
       </p:sp>
+      <p:pic>
+        <p:nvPicPr>
+          <p:cNvPr id="4" name="Picture 3">
+            <a:extLst>
+              <a:ext uri="{FF2B5EF4-FFF2-40B4-BE49-F238E27FC236}">
+                <a16:creationId xmlns:a16="http://schemas.microsoft.com/office/drawing/2014/main" id="{CA7347E3-499B-1C76-C719-AB4F9F3E9ED1}"/>
+              </a:ext>
+            </a:extLst>
+          </p:cNvPr>
+          <p:cNvPicPr>
+            <a:picLocks noChangeAspect="1"/>
+          </p:cNvPicPr>
+          <p:nvPr/>
+        </p:nvPicPr>
+        <p:blipFill>
+          <a:blip r:embed="rId2"/>
+          <a:stretch>
+            <a:fillRect/>
+          </a:stretch>
+        </p:blipFill>
+        <p:spPr>
+          <a:xfrm>
+            <a:off x="9583348" y="278948"/>
+            <a:ext cx="2286920" cy="647756"/>
+          </a:xfrm>
+          <a:prstGeom prst="rect">
+            <a:avLst/>
+          </a:prstGeom>
+        </p:spPr>
+      </p:pic>
     </p:spTree>
     <p:extLst>
       <p:ext uri="{BB962C8B-B14F-4D97-AF65-F5344CB8AC3E}">
@@ -23786,6 +24827,36 @@
           </a:p>
         </p:txBody>
       </p:sp>
+      <p:pic>
+        <p:nvPicPr>
+          <p:cNvPr id="4" name="Picture 3">
+            <a:extLst>
+              <a:ext uri="{FF2B5EF4-FFF2-40B4-BE49-F238E27FC236}">
+                <a16:creationId xmlns:a16="http://schemas.microsoft.com/office/drawing/2014/main" id="{43753E00-6C01-E57D-0624-1975D973A204}"/>
+              </a:ext>
+            </a:extLst>
+          </p:cNvPr>
+          <p:cNvPicPr>
+            <a:picLocks noChangeAspect="1"/>
+          </p:cNvPicPr>
+          <p:nvPr/>
+        </p:nvPicPr>
+        <p:blipFill>
+          <a:blip r:embed="rId2"/>
+          <a:stretch>
+            <a:fillRect/>
+          </a:stretch>
+        </p:blipFill>
+        <p:spPr>
+          <a:xfrm>
+            <a:off x="9583348" y="278948"/>
+            <a:ext cx="2286920" cy="647756"/>
+          </a:xfrm>
+          <a:prstGeom prst="rect">
+            <a:avLst/>
+          </a:prstGeom>
+        </p:spPr>
+      </p:pic>
     </p:spTree>
     <p:extLst>
       <p:ext uri="{BB962C8B-B14F-4D97-AF65-F5344CB8AC3E}">
@@ -24144,6 +25215,36 @@
           </a:p>
         </p:txBody>
       </p:sp>
+      <p:pic>
+        <p:nvPicPr>
+          <p:cNvPr id="4" name="Picture 3">
+            <a:extLst>
+              <a:ext uri="{FF2B5EF4-FFF2-40B4-BE49-F238E27FC236}">
+                <a16:creationId xmlns:a16="http://schemas.microsoft.com/office/drawing/2014/main" id="{5ACEB248-7E37-D687-69E3-B7F6B16B26BF}"/>
+              </a:ext>
+            </a:extLst>
+          </p:cNvPr>
+          <p:cNvPicPr>
+            <a:picLocks noChangeAspect="1"/>
+          </p:cNvPicPr>
+          <p:nvPr/>
+        </p:nvPicPr>
+        <p:blipFill>
+          <a:blip r:embed="rId2"/>
+          <a:stretch>
+            <a:fillRect/>
+          </a:stretch>
+        </p:blipFill>
+        <p:spPr>
+          <a:xfrm>
+            <a:off x="9583348" y="278948"/>
+            <a:ext cx="2286920" cy="647756"/>
+          </a:xfrm>
+          <a:prstGeom prst="rect">
+            <a:avLst/>
+          </a:prstGeom>
+        </p:spPr>
+      </p:pic>
     </p:spTree>
     <p:extLst>
       <p:ext uri="{BB962C8B-B14F-4D97-AF65-F5344CB8AC3E}">
@@ -24337,7 +25438,7 @@
           <a:lstStyle/>
           <a:p>
             <a:r>
-              <a:rPr lang="en-IN">
+              <a:rPr lang="en-IN" dirty="0">
                 <a:latin typeface="Segoe UI" panose="020B0502040204020203" pitchFamily="34" charset="0"/>
               </a:rPr>
               <a:t>Install git</a:t>
@@ -24537,6 +25638,36 @@
           </a:fontRef>
         </p:style>
       </p:cxnSp>
+      <p:pic>
+        <p:nvPicPr>
+          <p:cNvPr id="4" name="Picture 3">
+            <a:extLst>
+              <a:ext uri="{FF2B5EF4-FFF2-40B4-BE49-F238E27FC236}">
+                <a16:creationId xmlns:a16="http://schemas.microsoft.com/office/drawing/2014/main" id="{7D8B0A03-746F-0D43-6E27-802710950508}"/>
+              </a:ext>
+            </a:extLst>
+          </p:cNvPr>
+          <p:cNvPicPr>
+            <a:picLocks noChangeAspect="1"/>
+          </p:cNvPicPr>
+          <p:nvPr/>
+        </p:nvPicPr>
+        <p:blipFill>
+          <a:blip r:embed="rId4"/>
+          <a:stretch>
+            <a:fillRect/>
+          </a:stretch>
+        </p:blipFill>
+        <p:spPr>
+          <a:xfrm>
+            <a:off x="9905080" y="13716"/>
+            <a:ext cx="2286920" cy="647756"/>
+          </a:xfrm>
+          <a:prstGeom prst="rect">
+            <a:avLst/>
+          </a:prstGeom>
+        </p:spPr>
+      </p:pic>
     </p:spTree>
     <p:extLst>
       <p:ext uri="{BB962C8B-B14F-4D97-AF65-F5344CB8AC3E}">
@@ -24885,6 +26016,36 @@
           </a:prstGeom>
         </p:spPr>
       </p:pic>
+      <p:pic>
+        <p:nvPicPr>
+          <p:cNvPr id="4" name="Picture 3">
+            <a:extLst>
+              <a:ext uri="{FF2B5EF4-FFF2-40B4-BE49-F238E27FC236}">
+                <a16:creationId xmlns:a16="http://schemas.microsoft.com/office/drawing/2014/main" id="{1E0E1F7F-3910-50A5-BD3F-863FF487B929}"/>
+              </a:ext>
+            </a:extLst>
+          </p:cNvPr>
+          <p:cNvPicPr>
+            <a:picLocks noChangeAspect="1"/>
+          </p:cNvPicPr>
+          <p:nvPr/>
+        </p:nvPicPr>
+        <p:blipFill>
+          <a:blip r:embed="rId4"/>
+          <a:stretch>
+            <a:fillRect/>
+          </a:stretch>
+        </p:blipFill>
+        <p:spPr>
+          <a:xfrm>
+            <a:off x="9905080" y="13716"/>
+            <a:ext cx="2286920" cy="647756"/>
+          </a:xfrm>
+          <a:prstGeom prst="rect">
+            <a:avLst/>
+          </a:prstGeom>
+        </p:spPr>
+      </p:pic>
     </p:spTree>
     <p:extLst>
       <p:ext uri="{BB962C8B-B14F-4D97-AF65-F5344CB8AC3E}">
@@ -25026,7 +26187,27 @@
                 <a:effectLst/>
                 <a:latin typeface="arial" panose="020B0604020202020204" pitchFamily="34" charset="0"/>
               </a:rPr>
-              <a:t>Merging remote upstream changes into your local repository is a common task in Git-based collaboration workflows.</a:t>
+              <a:t>Merging remote upstream changes into your local repository is a common task in </a:t>
+            </a:r>
+            <a:r>
+              <a:rPr lang="en-US" b="1" i="0" dirty="0">
+                <a:solidFill>
+                  <a:srgbClr val="202124"/>
+                </a:solidFill>
+                <a:effectLst/>
+                <a:latin typeface="arial" panose="020B0604020202020204" pitchFamily="34" charset="0"/>
+              </a:rPr>
+              <a:t>Git-based collaboration workflows</a:t>
+            </a:r>
+            <a:r>
+              <a:rPr lang="en-US" b="0" i="0" dirty="0">
+                <a:solidFill>
+                  <a:srgbClr val="202124"/>
+                </a:solidFill>
+                <a:effectLst/>
+                <a:latin typeface="arial" panose="020B0604020202020204" pitchFamily="34" charset="0"/>
+              </a:rPr>
+              <a:t>.</a:t>
             </a:r>
             <a:br>
               <a:rPr lang="en-US" b="0" i="0" dirty="0">
@@ -25170,6 +26351,36 @@
           </a:extLst>
         </p:spPr>
       </p:pic>
+      <p:pic>
+        <p:nvPicPr>
+          <p:cNvPr id="4" name="Picture 3">
+            <a:extLst>
+              <a:ext uri="{FF2B5EF4-FFF2-40B4-BE49-F238E27FC236}">
+                <a16:creationId xmlns:a16="http://schemas.microsoft.com/office/drawing/2014/main" id="{E6AA8DD2-25A0-436D-D8D3-674A97C32D93}"/>
+              </a:ext>
+            </a:extLst>
+          </p:cNvPr>
+          <p:cNvPicPr>
+            <a:picLocks noChangeAspect="1"/>
+          </p:cNvPicPr>
+          <p:nvPr/>
+        </p:nvPicPr>
+        <p:blipFill>
+          <a:blip r:embed="rId3"/>
+          <a:stretch>
+            <a:fillRect/>
+          </a:stretch>
+        </p:blipFill>
+        <p:spPr>
+          <a:xfrm>
+            <a:off x="9905080" y="13716"/>
+            <a:ext cx="2286920" cy="647756"/>
+          </a:xfrm>
+          <a:prstGeom prst="rect">
+            <a:avLst/>
+          </a:prstGeom>
+        </p:spPr>
+      </p:pic>
     </p:spTree>
     <p:extLst>
       <p:ext uri="{BB962C8B-B14F-4D97-AF65-F5344CB8AC3E}">
@@ -25260,7 +26471,9 @@
           </a:xfrm>
         </p:spPr>
         <p:txBody>
-          <a:bodyPr/>
+          <a:bodyPr>
+            <a:normAutofit/>
+          </a:bodyPr>
           <a:lstStyle/>
           <a:p>
             <a:pPr>
@@ -25331,6 +26544,42 @@
               <a:buFont typeface="Arial" panose="020B0604020202020204" pitchFamily="34" charset="0"/>
               <a:buChar char="•"/>
             </a:pPr>
+            <a:endParaRPr lang="en-US" b="0" i="0" dirty="0">
+              <a:solidFill>
+                <a:srgbClr val="202124"/>
+              </a:solidFill>
+              <a:effectLst/>
+              <a:latin typeface="arial" panose="020B0604020202020204" pitchFamily="34" charset="0"/>
+            </a:endParaRPr>
+          </a:p>
+          <a:p>
+            <a:pPr lvl="1">
+              <a:buFont typeface="Arial" panose="020B0604020202020204" pitchFamily="34" charset="0"/>
+              <a:buChar char="•"/>
+            </a:pPr>
+            <a:r>
+              <a:rPr lang="en-IN" b="1" i="0" dirty="0">
+                <a:solidFill>
+                  <a:schemeClr val="accent4">
+                    <a:lumMod val="75000"/>
+                  </a:schemeClr>
+                </a:solidFill>
+                <a:effectLst/>
+                <a:latin typeface="Open Sans" panose="020B0606030504020204" pitchFamily="34" charset="0"/>
+              </a:rPr>
+              <a:t>git add &lt;file/directory name&gt;</a:t>
+            </a:r>
+            <a:br>
+              <a:rPr lang="en-IN" b="1" i="0" dirty="0">
+                <a:solidFill>
+                  <a:schemeClr val="accent4">
+                    <a:lumMod val="75000"/>
+                  </a:schemeClr>
+                </a:solidFill>
+                <a:effectLst/>
+                <a:latin typeface="Open Sans" panose="020B0606030504020204" pitchFamily="34" charset="0"/>
+              </a:rPr>
+            </a:br>
             <a:endParaRPr lang="en-US" dirty="0">
               <a:solidFill>
                 <a:srgbClr val="202124"/>
@@ -25351,18 +26600,34 @@
                 <a:effectLst/>
                 <a:latin typeface="arial" panose="020B0604020202020204" pitchFamily="34" charset="0"/>
               </a:rPr>
-              <a:t>However, git add doesn't really affect the repository in any significant way—changes are not actually recorded until you run git </a:t>
+              <a:t>However, git add doesn't really affect the repository in any significant way—changes are not actually recorded until you run git commit.</a:t>
             </a:r>
-            <a:r>
-              <a:rPr lang="en-US" b="0" i="0">
-                <a:solidFill>
-                  <a:srgbClr val="202124"/>
-                </a:solidFill>
-                <a:effectLst/>
-                <a:latin typeface="arial" panose="020B0604020202020204" pitchFamily="34" charset="0"/>
-              </a:rPr>
-              <a:t>commit.</a:t>
-            </a:r>
+          </a:p>
+          <a:p>
+            <a:pPr marL="128016" lvl="1" indent="0">
+              <a:buNone/>
+            </a:pPr>
+            <a:endParaRPr lang="en-IN" b="1" dirty="0">
+              <a:solidFill>
+                <a:schemeClr val="accent4">
+                  <a:lumMod val="75000"/>
+                </a:schemeClr>
+              </a:solidFill>
+              <a:latin typeface="Open Sans" panose="020B0606030504020204" pitchFamily="34" charset="0"/>
+            </a:endParaRPr>
+          </a:p>
+          <a:p>
+            <a:pPr>
+              <a:buFont typeface="Arial" panose="020B0604020202020204" pitchFamily="34" charset="0"/>
+              <a:buChar char="•"/>
+            </a:pPr>
+            <a:endParaRPr lang="en-US" b="0" i="0" dirty="0">
+              <a:solidFill>
+                <a:srgbClr val="202124"/>
+              </a:solidFill>
+              <a:effectLst/>
+              <a:latin typeface="arial" panose="020B0604020202020204" pitchFamily="34" charset="0"/>
+            </a:endParaRPr>
           </a:p>
           <a:p>
             <a:pPr>
@@ -25382,6 +26647,36 @@
           </a:p>
         </p:txBody>
       </p:sp>
+      <p:pic>
+        <p:nvPicPr>
+          <p:cNvPr id="4" name="Picture 3">
+            <a:extLst>
+              <a:ext uri="{FF2B5EF4-FFF2-40B4-BE49-F238E27FC236}">
+                <a16:creationId xmlns:a16="http://schemas.microsoft.com/office/drawing/2014/main" id="{055FD216-DFB7-2C06-1DD4-5A00D29452EF}"/>
+              </a:ext>
+            </a:extLst>
+          </p:cNvPr>
+          <p:cNvPicPr>
+            <a:picLocks noChangeAspect="1"/>
+          </p:cNvPicPr>
+          <p:nvPr/>
+        </p:nvPicPr>
+        <p:blipFill>
+          <a:blip r:embed="rId2"/>
+          <a:stretch>
+            <a:fillRect/>
+          </a:stretch>
+        </p:blipFill>
+        <p:spPr>
+          <a:xfrm>
+            <a:off x="9905080" y="13716"/>
+            <a:ext cx="2286920" cy="647756"/>
+          </a:xfrm>
+          <a:prstGeom prst="rect">
+            <a:avLst/>
+          </a:prstGeom>
+        </p:spPr>
+      </p:pic>
     </p:spTree>
     <p:extLst>
       <p:ext uri="{BB962C8B-B14F-4D97-AF65-F5344CB8AC3E}">
